--- a/MidBootProj-Slides-Lucas.pptx
+++ b/MidBootProj-Slides-Lucas.pptx
@@ -15,37 +15,38 @@
     <p:sldId id="260" r:id="rId10"/>
     <p:sldId id="261" r:id="rId11"/>
     <p:sldId id="262" r:id="rId12"/>
+    <p:sldId id="263" r:id="rId13"/>
   </p:sldIdLst>
   <p:sldSz cy="5143500" cx="9144000"/>
   <p:notesSz cx="6858000" cy="9144000"/>
   <p:embeddedFontLst>
     <p:embeddedFont>
       <p:font typeface="Roboto"/>
-      <p:regular r:id="rId13"/>
-      <p:bold r:id="rId14"/>
-      <p:italic r:id="rId15"/>
-      <p:boldItalic r:id="rId16"/>
+      <p:regular r:id="rId14"/>
+      <p:bold r:id="rId15"/>
+      <p:italic r:id="rId16"/>
+      <p:boldItalic r:id="rId17"/>
     </p:embeddedFont>
     <p:embeddedFont>
       <p:font typeface="Fira Sans"/>
-      <p:regular r:id="rId17"/>
-      <p:bold r:id="rId18"/>
-      <p:italic r:id="rId19"/>
-      <p:boldItalic r:id="rId20"/>
+      <p:regular r:id="rId18"/>
+      <p:bold r:id="rId19"/>
+      <p:italic r:id="rId20"/>
+      <p:boldItalic r:id="rId21"/>
     </p:embeddedFont>
     <p:embeddedFont>
       <p:font typeface="Fira Sans Extra Condensed"/>
-      <p:regular r:id="rId21"/>
-      <p:bold r:id="rId22"/>
-      <p:italic r:id="rId23"/>
-      <p:boldItalic r:id="rId24"/>
+      <p:regular r:id="rId22"/>
+      <p:bold r:id="rId23"/>
+      <p:italic r:id="rId24"/>
+      <p:boldItalic r:id="rId25"/>
     </p:embeddedFont>
     <p:embeddedFont>
       <p:font typeface="Fira Sans Extra Condensed SemiBold"/>
-      <p:regular r:id="rId25"/>
-      <p:bold r:id="rId26"/>
-      <p:italic r:id="rId27"/>
-      <p:boldItalic r:id="rId28"/>
+      <p:regular r:id="rId26"/>
+      <p:bold r:id="rId27"/>
+      <p:italic r:id="rId28"/>
+      <p:boldItalic r:id="rId29"/>
     </p:embeddedFont>
   </p:embeddedFontLst>
   <p:defaultTextStyle>
@@ -1123,7 +1124,7 @@
   <p:cSld>
     <p:spTree>
       <p:nvGrpSpPr>
-        <p:cNvPr id="173" name="Shape 173"/>
+        <p:cNvPr id="174" name="Shape 174"/>
         <p:cNvGrpSpPr/>
         <p:nvPr/>
       </p:nvGrpSpPr>
@@ -1137,7 +1138,7 @@
       </p:grpSpPr>
       <p:sp>
         <p:nvSpPr>
-          <p:cNvPr id="174" name="Google Shape;174;g128764a7321_0_329:notes"/>
+          <p:cNvPr id="175" name="Google Shape;175;g128764a7321_0_329:notes"/>
           <p:cNvSpPr/>
           <p:nvPr>
             <p:ph idx="2" type="sldImg"/>
@@ -1172,7 +1173,7 @@
       </p:sp>
       <p:sp>
         <p:nvSpPr>
-          <p:cNvPr id="175" name="Google Shape;175;g128764a7321_0_329:notes"/>
+          <p:cNvPr id="176" name="Google Shape;176;g128764a7321_0_329:notes"/>
           <p:cNvSpPr txBox="1"/>
           <p:nvPr>
             <p:ph idx="1" type="body"/>
@@ -1222,7 +1223,7 @@
   <p:cSld>
     <p:spTree>
       <p:nvGrpSpPr>
-        <p:cNvPr id="229" name="Shape 229"/>
+        <p:cNvPr id="230" name="Shape 230"/>
         <p:cNvGrpSpPr/>
         <p:nvPr/>
       </p:nvGrpSpPr>
@@ -1236,7 +1237,7 @@
       </p:grpSpPr>
       <p:sp>
         <p:nvSpPr>
-          <p:cNvPr id="230" name="Google Shape;230;g128764a7321_0_419:notes"/>
+          <p:cNvPr id="231" name="Google Shape;231;g128764a7321_0_419:notes"/>
           <p:cNvSpPr/>
           <p:nvPr>
             <p:ph idx="2" type="sldImg"/>
@@ -1271,7 +1272,7 @@
       </p:sp>
       <p:sp>
         <p:nvSpPr>
-          <p:cNvPr id="231" name="Google Shape;231;g128764a7321_0_419:notes"/>
+          <p:cNvPr id="232" name="Google Shape;232;g128764a7321_0_419:notes"/>
           <p:cNvSpPr txBox="1"/>
           <p:nvPr>
             <p:ph idx="1" type="body"/>
@@ -1321,7 +1322,7 @@
   <p:cSld>
     <p:spTree>
       <p:nvGrpSpPr>
-        <p:cNvPr id="247" name="Shape 247"/>
+        <p:cNvPr id="248" name="Shape 248"/>
         <p:cNvGrpSpPr/>
         <p:nvPr/>
       </p:nvGrpSpPr>
@@ -1335,7 +1336,7 @@
       </p:grpSpPr>
       <p:sp>
         <p:nvSpPr>
-          <p:cNvPr id="248" name="Google Shape;248;g128764a7321_0_466:notes"/>
+          <p:cNvPr id="249" name="Google Shape;249;g128764a7321_0_466:notes"/>
           <p:cNvSpPr/>
           <p:nvPr>
             <p:ph idx="2" type="sldImg"/>
@@ -1370,7 +1371,106 @@
       </p:sp>
       <p:sp>
         <p:nvSpPr>
-          <p:cNvPr id="249" name="Google Shape;249;g128764a7321_0_466:notes"/>
+          <p:cNvPr id="250" name="Google Shape;250;g128764a7321_0_466:notes"/>
+          <p:cNvSpPr txBox="1"/>
+          <p:nvPr>
+            <p:ph idx="1" type="body"/>
+          </p:nvPr>
+        </p:nvSpPr>
+        <p:spPr>
+          <a:xfrm>
+            <a:off x="685800" y="4343400"/>
+            <a:ext cx="5486400" cy="4114800"/>
+          </a:xfrm>
+          <a:prstGeom prst="rect">
+            <a:avLst/>
+          </a:prstGeom>
+        </p:spPr>
+        <p:txBody>
+          <a:bodyPr anchorCtr="0" anchor="t" bIns="91425" lIns="91425" spcFirstLastPara="1" rIns="91425" wrap="square" tIns="91425">
+            <a:noAutofit/>
+          </a:bodyPr>
+          <a:lstStyle/>
+          <a:p>
+            <a:pPr indent="0" lvl="0" marL="0" rtl="0" algn="l">
+              <a:spcBef>
+                <a:spcPts val="0"/>
+              </a:spcBef>
+              <a:spcAft>
+                <a:spcPts val="0"/>
+              </a:spcAft>
+              <a:buNone/>
+            </a:pPr>
+            <a:r>
+              <a:t/>
+            </a:r>
+            <a:endParaRPr/>
+          </a:p>
+        </p:txBody>
+      </p:sp>
+    </p:spTree>
+  </p:cSld>
+  <p:clrMapOvr>
+    <a:masterClrMapping/>
+  </p:clrMapOvr>
+</p:notes>
+</file>
+
+<file path=ppt/notesSlides/notesSlide8.xml><?xml version="1.0" encoding="utf-8"?>
+<p:notes xmlns:a="http://schemas.openxmlformats.org/drawingml/2006/main" xmlns:r="http://schemas.openxmlformats.org/officeDocument/2006/relationships" xmlns:mc="http://schemas.openxmlformats.org/markup-compatibility/2006" xmlns:mv="urn:schemas-microsoft-com:mac:vml" xmlns:p="http://schemas.openxmlformats.org/presentationml/2006/main" xmlns:c="http://schemas.openxmlformats.org/drawingml/2006/chart" xmlns:dgm="http://schemas.openxmlformats.org/drawingml/2006/diagram" xmlns:o="urn:schemas-microsoft-com:office:office" xmlns:v="urn:schemas-microsoft-com:vml" xmlns:pvml="urn:schemas-microsoft-com:office:powerpoint" xmlns:com="http://schemas.openxmlformats.org/drawingml/2006/compatibility" xmlns:p14="http://schemas.microsoft.com/office/powerpoint/2010/main" xmlns:p15="http://schemas.microsoft.com/office/powerpoint/2012/main" xmlns:ahyp="http://schemas.microsoft.com/office/drawing/2018/hyperlinkcolor" showMasterPhAnim="0" showMasterSp="0">
+  <p:cSld>
+    <p:spTree>
+      <p:nvGrpSpPr>
+        <p:cNvPr id="282" name="Shape 282"/>
+        <p:cNvGrpSpPr/>
+        <p:nvPr/>
+      </p:nvGrpSpPr>
+      <p:grpSpPr>
+        <a:xfrm>
+          <a:off x="0" y="0"/>
+          <a:ext cx="0" cy="0"/>
+          <a:chOff x="0" y="0"/>
+          <a:chExt cx="0" cy="0"/>
+        </a:xfrm>
+      </p:grpSpPr>
+      <p:sp>
+        <p:nvSpPr>
+          <p:cNvPr id="283" name="Google Shape;283;g11bfdf3530a_0_1:notes"/>
+          <p:cNvSpPr/>
+          <p:nvPr>
+            <p:ph idx="2" type="sldImg"/>
+          </p:nvPr>
+        </p:nvSpPr>
+        <p:spPr>
+          <a:xfrm>
+            <a:off x="381300" y="685800"/>
+            <a:ext cx="6096000" cy="3429000"/>
+          </a:xfrm>
+          <a:custGeom>
+            <a:rect b="b" l="l" r="r" t="t"/>
+            <a:pathLst>
+              <a:path extrusionOk="0" h="120000" w="120000">
+                <a:moveTo>
+                  <a:pt x="0" y="0"/>
+                </a:moveTo>
+                <a:lnTo>
+                  <a:pt x="120000" y="0"/>
+                </a:lnTo>
+                <a:lnTo>
+                  <a:pt x="120000" y="120000"/>
+                </a:lnTo>
+                <a:lnTo>
+                  <a:pt x="0" y="120000"/>
+                </a:lnTo>
+                <a:close/>
+              </a:path>
+            </a:pathLst>
+          </a:custGeom>
+        </p:spPr>
+      </p:sp>
+      <p:sp>
+        <p:nvSpPr>
+          <p:cNvPr id="284" name="Google Shape;284;g11bfdf3530a_0_1:notes"/>
           <p:cNvSpPr txBox="1"/>
           <p:nvPr>
             <p:ph idx="1" type="body"/>
@@ -5157,8 +5257,19 @@
               <a:buNone/>
             </a:pPr>
             <a:r>
+              <a:rPr lang="en" sz="4100">
+                <a:solidFill>
+                  <a:schemeClr val="lt1"/>
+                </a:solidFill>
+                <a:highlight>
+                  <a:schemeClr val="accent2"/>
+                </a:highlight>
+              </a:rPr>
+              <a:t>TheAgency</a:t>
+            </a:r>
+            <a:r>
               <a:rPr lang="en" sz="4100"/>
-              <a:t>The Agency,</a:t>
+              <a:t>,</a:t>
             </a:r>
             <a:endParaRPr sz="4100"/>
           </a:p>
@@ -12313,7 +12424,7 @@
         </p:nvSpPr>
         <p:spPr>
           <a:xfrm>
-            <a:off x="4997472" y="3217200"/>
+            <a:off x="4978772" y="3241300"/>
             <a:ext cx="927000" cy="927000"/>
           </a:xfrm>
           <a:prstGeom prst="ellipse">
@@ -12517,8 +12628,8 @@
         </p:nvSpPr>
         <p:spPr>
           <a:xfrm>
-            <a:off x="718125" y="1874700"/>
-            <a:ext cx="2064300" cy="807900"/>
+            <a:off x="979725" y="1874700"/>
+            <a:ext cx="1802700" cy="807900"/>
           </a:xfrm>
           <a:prstGeom prst="rect">
             <a:avLst/>
@@ -12534,7 +12645,7 @@
           </a:bodyPr>
           <a:lstStyle/>
           <a:p>
-            <a:pPr indent="-304800" lvl="0" marL="457200" rtl="0" algn="r">
+            <a:pPr indent="-304800" lvl="0" marL="457200" rtl="0" algn="l">
               <a:spcBef>
                 <a:spcPts val="0"/>
               </a:spcBef>
@@ -12552,7 +12663,16 @@
                 <a:cs typeface="Roboto"/>
                 <a:sym typeface="Roboto"/>
               </a:rPr>
-              <a:t>Search for data</a:t>
+              <a:t>Search for </a:t>
+            </a:r>
+            <a:r>
+              <a:rPr lang="en" sz="1200">
+                <a:latin typeface="Roboto"/>
+                <a:ea typeface="Roboto"/>
+                <a:cs typeface="Roboto"/>
+                <a:sym typeface="Roboto"/>
+              </a:rPr>
+              <a:t>data</a:t>
             </a:r>
             <a:endParaRPr sz="1200">
               <a:latin typeface="Roboto"/>
@@ -12562,7 +12682,7 @@
             </a:endParaRPr>
           </a:p>
           <a:p>
-            <a:pPr indent="-304800" lvl="0" marL="457200" rtl="0" algn="r">
+            <a:pPr indent="-304800" lvl="0" marL="457200" rtl="0" algn="l">
               <a:spcBef>
                 <a:spcPts val="0"/>
               </a:spcBef>
@@ -12853,9 +12973,9 @@
           <p:nvPr/>
         </p:nvCxnSpPr>
         <p:spPr>
-          <a:xfrm flipH="1" rot="10800000">
-            <a:off x="4159920" y="3680800"/>
-            <a:ext cx="837600" cy="24000"/>
+          <a:xfrm>
+            <a:off x="4159920" y="3704800"/>
+            <a:ext cx="819000" cy="0"/>
           </a:xfrm>
           <a:prstGeom prst="straightConnector1">
             <a:avLst/>
@@ -13216,7 +13336,7 @@
         </p:nvSpPr>
         <p:spPr>
           <a:xfrm>
-            <a:off x="1244450" y="2147375"/>
+            <a:off x="1244450" y="1918775"/>
             <a:ext cx="1194900" cy="407400"/>
           </a:xfrm>
           <a:prstGeom prst="roundRect">
@@ -13286,7 +13406,7 @@
         </p:nvSpPr>
         <p:spPr>
           <a:xfrm>
-            <a:off x="3597075" y="2147375"/>
+            <a:off x="3597075" y="1918775"/>
             <a:ext cx="1972200" cy="407400"/>
           </a:xfrm>
           <a:prstGeom prst="roundRect">
@@ -13356,7 +13476,7 @@
         </p:nvSpPr>
         <p:spPr>
           <a:xfrm>
-            <a:off x="6704650" y="2147375"/>
+            <a:off x="6704650" y="1918775"/>
             <a:ext cx="1194900" cy="407400"/>
           </a:xfrm>
           <a:prstGeom prst="roundRect">
@@ -13426,7 +13546,7 @@
         </p:nvSpPr>
         <p:spPr>
           <a:xfrm>
-            <a:off x="4231050" y="1315063"/>
+            <a:off x="4231050" y="1086463"/>
             <a:ext cx="681900" cy="681900"/>
           </a:xfrm>
           <a:prstGeom prst="ellipse">
@@ -13494,7 +13614,7 @@
         </p:nvSpPr>
         <p:spPr>
           <a:xfrm>
-            <a:off x="6968825" y="1315063"/>
+            <a:off x="6968825" y="1086463"/>
             <a:ext cx="681900" cy="681900"/>
           </a:xfrm>
           <a:prstGeom prst="ellipse">
@@ -13592,7 +13712,7 @@
             </a:r>
             <a:r>
               <a:rPr lang="en"/>
-              <a:t>odel (K-Neighbours)</a:t>
+              <a:t>odel (KN-Neighbours)</a:t>
             </a:r>
             <a:endParaRPr/>
           </a:p>
@@ -13606,7 +13726,7 @@
         </p:nvSpPr>
         <p:spPr>
           <a:xfrm>
-            <a:off x="6443975" y="2576300"/>
+            <a:off x="6443975" y="2347700"/>
             <a:ext cx="1731600" cy="453900"/>
           </a:xfrm>
           <a:prstGeom prst="rect">
@@ -13661,7 +13781,7 @@
         </p:nvSpPr>
         <p:spPr>
           <a:xfrm>
-            <a:off x="968425" y="2576300"/>
+            <a:off x="968425" y="2347700"/>
             <a:ext cx="1731600" cy="453900"/>
           </a:xfrm>
           <a:prstGeom prst="rect">
@@ -13716,7 +13836,7 @@
         </p:nvSpPr>
         <p:spPr>
           <a:xfrm>
-            <a:off x="3238500" y="2576300"/>
+            <a:off x="3238500" y="2347700"/>
             <a:ext cx="2678100" cy="453300"/>
           </a:xfrm>
           <a:prstGeom prst="rect">
@@ -13792,7 +13912,7 @@
         </p:nvGrpSpPr>
         <p:grpSpPr>
           <a:xfrm>
-            <a:off x="1229079" y="3078278"/>
+            <a:off x="1229079" y="2849678"/>
             <a:ext cx="1210276" cy="1210276"/>
             <a:chOff x="4049800" y="640400"/>
             <a:chExt cx="858900" cy="858900"/>
@@ -13911,7 +14031,7 @@
         </p:nvGrpSpPr>
         <p:grpSpPr>
           <a:xfrm>
-            <a:off x="3966875" y="3078278"/>
+            <a:off x="3966875" y="2849678"/>
             <a:ext cx="1210276" cy="1210276"/>
             <a:chOff x="4049800" y="640400"/>
             <a:chExt cx="858900" cy="858900"/>
@@ -14030,7 +14150,7 @@
         </p:nvGrpSpPr>
         <p:grpSpPr>
           <a:xfrm>
-            <a:off x="6704637" y="3078278"/>
+            <a:off x="6704637" y="2849678"/>
             <a:ext cx="1210276" cy="1210276"/>
             <a:chOff x="4049800" y="640400"/>
             <a:chExt cx="858900" cy="858900"/>
@@ -14152,7 +14272,7 @@
         </p:nvCxnSpPr>
         <p:spPr>
           <a:xfrm>
-            <a:off x="2175175" y="1656013"/>
+            <a:off x="2175175" y="1427413"/>
             <a:ext cx="2055900" cy="0"/>
           </a:xfrm>
           <a:prstGeom prst="straightConnector1">
@@ -14181,7 +14301,7 @@
         </p:nvCxnSpPr>
         <p:spPr>
           <a:xfrm>
-            <a:off x="4912950" y="1656013"/>
+            <a:off x="4912950" y="1427413"/>
             <a:ext cx="2055900" cy="0"/>
           </a:xfrm>
           <a:prstGeom prst="straightConnector1">
@@ -14207,7 +14327,7 @@
         </p:nvSpPr>
         <p:spPr>
           <a:xfrm>
-            <a:off x="1493275" y="1315063"/>
+            <a:off x="1493275" y="1086463"/>
             <a:ext cx="681900" cy="681900"/>
           </a:xfrm>
           <a:prstGeom prst="ellipse">
@@ -14275,7 +14395,7 @@
         </p:nvSpPr>
         <p:spPr>
           <a:xfrm>
-            <a:off x="6942433" y="3330063"/>
+            <a:off x="6942433" y="3101463"/>
             <a:ext cx="734691" cy="706710"/>
           </a:xfrm>
           <a:custGeom>
@@ -14964,7 +15084,7 @@
         </p:nvSpPr>
         <p:spPr>
           <a:xfrm>
-            <a:off x="1546135" y="3406201"/>
+            <a:off x="1546135" y="3177601"/>
             <a:ext cx="576152" cy="554449"/>
           </a:xfrm>
           <a:custGeom>
@@ -15910,7 +16030,7 @@
         </p:nvGrpSpPr>
         <p:grpSpPr>
           <a:xfrm>
-            <a:off x="4269167" y="3373146"/>
+            <a:off x="4269167" y="3144546"/>
             <a:ext cx="628027" cy="620524"/>
             <a:chOff x="3091957" y="3374131"/>
             <a:chExt cx="354717" cy="332757"/>
@@ -16937,6 +17057,46 @@
           </p:txBody>
         </p:sp>
       </p:grpSp>
+      <p:sp>
+        <p:nvSpPr>
+          <p:cNvPr id="173" name="Google Shape;173;p16"/>
+          <p:cNvSpPr txBox="1"/>
+          <p:nvPr>
+            <p:ph type="title"/>
+          </p:nvPr>
+        </p:nvSpPr>
+        <p:spPr>
+          <a:xfrm>
+            <a:off x="311700" y="4241875"/>
+            <a:ext cx="8520600" cy="494100"/>
+          </a:xfrm>
+          <a:prstGeom prst="rect">
+            <a:avLst/>
+          </a:prstGeom>
+        </p:spPr>
+        <p:txBody>
+          <a:bodyPr anchorCtr="0" anchor="t" bIns="91425" lIns="91425" spcFirstLastPara="1" rIns="91425" wrap="square" tIns="91425">
+            <a:noAutofit/>
+          </a:bodyPr>
+          <a:lstStyle/>
+          <a:p>
+            <a:pPr indent="0" lvl="0" marL="0" rtl="0" algn="ctr">
+              <a:spcBef>
+                <a:spcPts val="0"/>
+              </a:spcBef>
+              <a:spcAft>
+                <a:spcPts val="0"/>
+              </a:spcAft>
+              <a:buNone/>
+            </a:pPr>
+            <a:r>
+              <a:rPr lang="en" sz="1800"/>
+              <a:t>Model accuracy: 72.25% -&gt; On average the model is off by 195k</a:t>
+            </a:r>
+            <a:endParaRPr sz="1800"/>
+          </a:p>
+        </p:txBody>
+      </p:sp>
     </p:spTree>
   </p:cSld>
   <p:clrMapOvr>
@@ -16950,7 +17110,7 @@
   <p:cSld>
     <p:spTree>
       <p:nvGrpSpPr>
-        <p:cNvPr id="176" name="Shape 176"/>
+        <p:cNvPr id="177" name="Shape 177"/>
         <p:cNvGrpSpPr/>
         <p:nvPr/>
       </p:nvGrpSpPr>
@@ -16964,7 +17124,7 @@
       </p:grpSpPr>
       <p:sp>
         <p:nvSpPr>
-          <p:cNvPr id="177" name="Google Shape;177;p17"/>
+          <p:cNvPr id="178" name="Google Shape;178;p17"/>
           <p:cNvSpPr txBox="1"/>
           <p:nvPr>
             <p:ph type="title"/>
@@ -17024,7 +17184,7 @@
       </p:sp>
       <p:grpSp>
         <p:nvGrpSpPr>
-          <p:cNvPr id="178" name="Google Shape;178;p17"/>
+          <p:cNvPr id="179" name="Google Shape;179;p17"/>
           <p:cNvGrpSpPr/>
           <p:nvPr/>
         </p:nvGrpSpPr>
@@ -17038,7 +17198,7 @@
         </p:grpSpPr>
         <p:sp>
           <p:nvSpPr>
-            <p:cNvPr id="179" name="Google Shape;179;p17"/>
+            <p:cNvPr id="180" name="Google Shape;180;p17"/>
             <p:cNvSpPr/>
             <p:nvPr/>
           </p:nvSpPr>
@@ -17108,7 +17268,7 @@
         </p:sp>
         <p:sp>
           <p:nvSpPr>
-            <p:cNvPr id="180" name="Google Shape;180;p17"/>
+            <p:cNvPr id="181" name="Google Shape;181;p17"/>
             <p:cNvSpPr txBox="1"/>
             <p:nvPr/>
           </p:nvSpPr>
@@ -17160,7 +17320,7 @@
         </p:sp>
         <p:sp>
           <p:nvSpPr>
-            <p:cNvPr id="181" name="Google Shape;181;p17"/>
+            <p:cNvPr id="182" name="Google Shape;182;p17"/>
             <p:cNvSpPr/>
             <p:nvPr/>
           </p:nvSpPr>
@@ -17221,7 +17381,7 @@
         </p:sp>
         <p:sp>
           <p:nvSpPr>
-            <p:cNvPr id="182" name="Google Shape;182;p17"/>
+            <p:cNvPr id="183" name="Google Shape;183;p17"/>
             <p:cNvSpPr/>
             <p:nvPr/>
           </p:nvSpPr>
@@ -17272,10 +17432,10 @@
         </p:sp>
         <p:cxnSp>
           <p:nvCxnSpPr>
-            <p:cNvPr id="183" name="Google Shape;183;p17"/>
+            <p:cNvPr id="184" name="Google Shape;184;p17"/>
             <p:cNvCxnSpPr>
-              <a:stCxn id="181" idx="6"/>
-              <a:endCxn id="182" idx="2"/>
+              <a:stCxn id="182" idx="6"/>
+              <a:endCxn id="183" idx="2"/>
             </p:cNvCxnSpPr>
             <p:nvPr/>
           </p:nvCxnSpPr>
@@ -17301,7 +17461,7 @@
         </p:cxnSp>
         <p:grpSp>
           <p:nvGrpSpPr>
-            <p:cNvPr id="184" name="Google Shape;184;p17"/>
+            <p:cNvPr id="185" name="Google Shape;185;p17"/>
             <p:cNvGrpSpPr/>
             <p:nvPr/>
           </p:nvGrpSpPr>
@@ -17315,7 +17475,7 @@
           </p:grpSpPr>
           <p:sp>
             <p:nvSpPr>
-              <p:cNvPr id="185" name="Google Shape;185;p17"/>
+              <p:cNvPr id="186" name="Google Shape;186;p17"/>
               <p:cNvSpPr/>
               <p:nvPr/>
             </p:nvSpPr>
@@ -17432,7 +17592,7 @@
           </p:sp>
           <p:sp>
             <p:nvSpPr>
-              <p:cNvPr id="186" name="Google Shape;186;p17"/>
+              <p:cNvPr id="187" name="Google Shape;187;p17"/>
               <p:cNvSpPr/>
               <p:nvPr/>
             </p:nvSpPr>
@@ -17798,7 +17958,7 @@
           </p:sp>
           <p:sp>
             <p:nvSpPr>
-              <p:cNvPr id="187" name="Google Shape;187;p17"/>
+              <p:cNvPr id="188" name="Google Shape;188;p17"/>
               <p:cNvSpPr/>
               <p:nvPr/>
             </p:nvSpPr>
@@ -17838,83 +17998,6 @@
                     <a:cubicBezTo>
                       <a:pt x="334" y="72"/>
                       <a:pt x="262" y="0"/>
-                      <a:pt x="167" y="0"/>
-                    </a:cubicBezTo>
-                    <a:close/>
-                  </a:path>
-                </a:pathLst>
-              </a:custGeom>
-              <a:solidFill>
-                <a:schemeClr val="lt1"/>
-              </a:solidFill>
-              <a:ln>
-                <a:noFill/>
-              </a:ln>
-            </p:spPr>
-            <p:txBody>
-              <a:bodyPr anchorCtr="0" anchor="ctr" bIns="91425" lIns="91425" spcFirstLastPara="1" rIns="91425" wrap="square" tIns="91425">
-                <a:noAutofit/>
-              </a:bodyPr>
-              <a:lstStyle/>
-              <a:p>
-                <a:pPr indent="0" lvl="0" marL="0" rtl="0" algn="l">
-                  <a:spcBef>
-                    <a:spcPts val="0"/>
-                  </a:spcBef>
-                  <a:spcAft>
-                    <a:spcPts val="0"/>
-                  </a:spcAft>
-                  <a:buNone/>
-                </a:pPr>
-                <a:r>
-                  <a:t/>
-                </a:r>
-                <a:endParaRPr/>
-              </a:p>
-            </p:txBody>
-          </p:sp>
-          <p:sp>
-            <p:nvSpPr>
-              <p:cNvPr id="188" name="Google Shape;188;p17"/>
-              <p:cNvSpPr/>
-              <p:nvPr/>
-            </p:nvSpPr>
-            <p:spPr>
-              <a:xfrm>
-                <a:off x="3324616" y="1836767"/>
-                <a:ext cx="10280" cy="21261"/>
-              </a:xfrm>
-              <a:custGeom>
-                <a:rect b="b" l="l" r="r" t="t"/>
-                <a:pathLst>
-                  <a:path extrusionOk="0" h="668" w="323">
-                    <a:moveTo>
-                      <a:pt x="167" y="0"/>
-                    </a:moveTo>
-                    <a:cubicBezTo>
-                      <a:pt x="72" y="0"/>
-                      <a:pt x="1" y="72"/>
-                      <a:pt x="1" y="167"/>
-                    </a:cubicBezTo>
-                    <a:lnTo>
-                      <a:pt x="1" y="500"/>
-                    </a:lnTo>
-                    <a:cubicBezTo>
-                      <a:pt x="1" y="596"/>
-                      <a:pt x="72" y="667"/>
-                      <a:pt x="167" y="667"/>
-                    </a:cubicBezTo>
-                    <a:cubicBezTo>
-                      <a:pt x="251" y="667"/>
-                      <a:pt x="322" y="596"/>
-                      <a:pt x="322" y="500"/>
-                    </a:cubicBezTo>
-                    <a:lnTo>
-                      <a:pt x="322" y="167"/>
-                    </a:lnTo>
-                    <a:cubicBezTo>
-                      <a:pt x="322" y="72"/>
-                      <a:pt x="251" y="0"/>
                       <a:pt x="167" y="0"/>
                     </a:cubicBezTo>
                     <a:close/>
@@ -17958,6 +18041,83 @@
             </p:nvSpPr>
             <p:spPr>
               <a:xfrm>
+                <a:off x="3324616" y="1836767"/>
+                <a:ext cx="10280" cy="21261"/>
+              </a:xfrm>
+              <a:custGeom>
+                <a:rect b="b" l="l" r="r" t="t"/>
+                <a:pathLst>
+                  <a:path extrusionOk="0" h="668" w="323">
+                    <a:moveTo>
+                      <a:pt x="167" y="0"/>
+                    </a:moveTo>
+                    <a:cubicBezTo>
+                      <a:pt x="72" y="0"/>
+                      <a:pt x="1" y="72"/>
+                      <a:pt x="1" y="167"/>
+                    </a:cubicBezTo>
+                    <a:lnTo>
+                      <a:pt x="1" y="500"/>
+                    </a:lnTo>
+                    <a:cubicBezTo>
+                      <a:pt x="1" y="596"/>
+                      <a:pt x="72" y="667"/>
+                      <a:pt x="167" y="667"/>
+                    </a:cubicBezTo>
+                    <a:cubicBezTo>
+                      <a:pt x="251" y="667"/>
+                      <a:pt x="322" y="596"/>
+                      <a:pt x="322" y="500"/>
+                    </a:cubicBezTo>
+                    <a:lnTo>
+                      <a:pt x="322" y="167"/>
+                    </a:lnTo>
+                    <a:cubicBezTo>
+                      <a:pt x="322" y="72"/>
+                      <a:pt x="251" y="0"/>
+                      <a:pt x="167" y="0"/>
+                    </a:cubicBezTo>
+                    <a:close/>
+                  </a:path>
+                </a:pathLst>
+              </a:custGeom>
+              <a:solidFill>
+                <a:schemeClr val="lt1"/>
+              </a:solidFill>
+              <a:ln>
+                <a:noFill/>
+              </a:ln>
+            </p:spPr>
+            <p:txBody>
+              <a:bodyPr anchorCtr="0" anchor="ctr" bIns="91425" lIns="91425" spcFirstLastPara="1" rIns="91425" wrap="square" tIns="91425">
+                <a:noAutofit/>
+              </a:bodyPr>
+              <a:lstStyle/>
+              <a:p>
+                <a:pPr indent="0" lvl="0" marL="0" rtl="0" algn="l">
+                  <a:spcBef>
+                    <a:spcPts val="0"/>
+                  </a:spcBef>
+                  <a:spcAft>
+                    <a:spcPts val="0"/>
+                  </a:spcAft>
+                  <a:buNone/>
+                </a:pPr>
+                <a:r>
+                  <a:t/>
+                </a:r>
+                <a:endParaRPr/>
+              </a:p>
+            </p:txBody>
+          </p:sp>
+          <p:sp>
+            <p:nvSpPr>
+              <p:cNvPr id="190" name="Google Shape;190;p17"/>
+              <p:cNvSpPr/>
+              <p:nvPr/>
+            </p:nvSpPr>
+            <p:spPr>
+              <a:xfrm>
                 <a:off x="3122257" y="1508594"/>
                 <a:ext cx="294850" cy="278554"/>
               </a:xfrm>
@@ -18392,7 +18552,7 @@
       </p:grpSp>
       <p:grpSp>
         <p:nvGrpSpPr>
-          <p:cNvPr id="190" name="Google Shape;190;p17"/>
+          <p:cNvPr id="191" name="Google Shape;191;p17"/>
           <p:cNvGrpSpPr/>
           <p:nvPr/>
         </p:nvGrpSpPr>
@@ -18406,7 +18566,7 @@
         </p:grpSpPr>
         <p:sp>
           <p:nvSpPr>
-            <p:cNvPr id="191" name="Google Shape;191;p17"/>
+            <p:cNvPr id="192" name="Google Shape;192;p17"/>
             <p:cNvSpPr/>
             <p:nvPr/>
           </p:nvSpPr>
@@ -18476,7 +18636,7 @@
         </p:sp>
         <p:sp>
           <p:nvSpPr>
-            <p:cNvPr id="192" name="Google Shape;192;p17"/>
+            <p:cNvPr id="193" name="Google Shape;193;p17"/>
             <p:cNvSpPr txBox="1"/>
             <p:nvPr/>
           </p:nvSpPr>
@@ -18528,7 +18688,7 @@
         </p:sp>
         <p:sp>
           <p:nvSpPr>
-            <p:cNvPr id="193" name="Google Shape;193;p17"/>
+            <p:cNvPr id="194" name="Google Shape;194;p17"/>
             <p:cNvSpPr/>
             <p:nvPr/>
           </p:nvSpPr>
@@ -18584,7 +18744,7 @@
         </p:sp>
         <p:sp>
           <p:nvSpPr>
-            <p:cNvPr id="194" name="Google Shape;194;p17"/>
+            <p:cNvPr id="195" name="Google Shape;195;p17"/>
             <p:cNvSpPr/>
             <p:nvPr/>
           </p:nvSpPr>
@@ -18635,10 +18795,10 @@
         </p:sp>
         <p:cxnSp>
           <p:nvCxnSpPr>
-            <p:cNvPr id="195" name="Google Shape;195;p17"/>
+            <p:cNvPr id="196" name="Google Shape;196;p17"/>
             <p:cNvCxnSpPr>
-              <a:stCxn id="193" idx="6"/>
-              <a:endCxn id="194" idx="2"/>
+              <a:stCxn id="194" idx="6"/>
+              <a:endCxn id="195" idx="2"/>
             </p:cNvCxnSpPr>
             <p:nvPr/>
           </p:nvCxnSpPr>
@@ -18664,7 +18824,7 @@
         </p:cxnSp>
         <p:grpSp>
           <p:nvGrpSpPr>
-            <p:cNvPr id="196" name="Google Shape;196;p17"/>
+            <p:cNvPr id="197" name="Google Shape;197;p17"/>
             <p:cNvGrpSpPr/>
             <p:nvPr/>
           </p:nvGrpSpPr>
@@ -18678,7 +18838,7 @@
           </p:grpSpPr>
           <p:sp>
             <p:nvSpPr>
-              <p:cNvPr id="197" name="Google Shape;197;p17"/>
+              <p:cNvPr id="198" name="Google Shape;198;p17"/>
               <p:cNvSpPr/>
               <p:nvPr/>
             </p:nvSpPr>
@@ -18773,137 +18933,6 @@
                       <a:pt x="644" y="96"/>
                       <a:pt x="549" y="1"/>
                       <a:pt x="453" y="1"/>
-                    </a:cubicBezTo>
-                    <a:close/>
-                  </a:path>
-                </a:pathLst>
-              </a:custGeom>
-              <a:solidFill>
-                <a:schemeClr val="lt1"/>
-              </a:solidFill>
-              <a:ln>
-                <a:noFill/>
-              </a:ln>
-            </p:spPr>
-            <p:txBody>
-              <a:bodyPr anchorCtr="0" anchor="ctr" bIns="91425" lIns="91425" spcFirstLastPara="1" rIns="91425" wrap="square" tIns="91425">
-                <a:noAutofit/>
-              </a:bodyPr>
-              <a:lstStyle/>
-              <a:p>
-                <a:pPr indent="0" lvl="0" marL="0" rtl="0" algn="l">
-                  <a:spcBef>
-                    <a:spcPts val="0"/>
-                  </a:spcBef>
-                  <a:spcAft>
-                    <a:spcPts val="0"/>
-                  </a:spcAft>
-                  <a:buNone/>
-                </a:pPr>
-                <a:r>
-                  <a:t/>
-                </a:r>
-                <a:endParaRPr/>
-              </a:p>
-            </p:txBody>
-          </p:sp>
-          <p:sp>
-            <p:nvSpPr>
-              <p:cNvPr id="198" name="Google Shape;198;p17"/>
-              <p:cNvSpPr/>
-              <p:nvPr/>
-            </p:nvSpPr>
-            <p:spPr>
-              <a:xfrm>
-                <a:off x="2847140" y="1499873"/>
-                <a:ext cx="20115" cy="106145"/>
-              </a:xfrm>
-              <a:custGeom>
-                <a:rect b="b" l="l" r="r" t="t"/>
-                <a:pathLst>
-                  <a:path extrusionOk="0" h="3335" w="632">
-                    <a:moveTo>
-                      <a:pt x="441" y="1"/>
-                    </a:moveTo>
-                    <a:cubicBezTo>
-                      <a:pt x="334" y="1"/>
-                      <a:pt x="251" y="96"/>
-                      <a:pt x="251" y="191"/>
-                    </a:cubicBezTo>
-                    <a:cubicBezTo>
-                      <a:pt x="251" y="394"/>
-                      <a:pt x="203" y="477"/>
-                      <a:pt x="144" y="596"/>
-                    </a:cubicBezTo>
-                    <a:cubicBezTo>
-                      <a:pt x="72" y="727"/>
-                      <a:pt x="1" y="882"/>
-                      <a:pt x="1" y="1179"/>
-                    </a:cubicBezTo>
-                    <a:cubicBezTo>
-                      <a:pt x="1" y="1465"/>
-                      <a:pt x="72" y="1620"/>
-                      <a:pt x="144" y="1763"/>
-                    </a:cubicBezTo>
-                    <a:cubicBezTo>
-                      <a:pt x="203" y="1882"/>
-                      <a:pt x="251" y="1965"/>
-                      <a:pt x="251" y="2156"/>
-                    </a:cubicBezTo>
-                    <a:cubicBezTo>
-                      <a:pt x="251" y="2358"/>
-                      <a:pt x="203" y="2441"/>
-                      <a:pt x="144" y="2561"/>
-                    </a:cubicBezTo>
-                    <a:cubicBezTo>
-                      <a:pt x="84" y="2692"/>
-                      <a:pt x="1" y="2846"/>
-                      <a:pt x="1" y="3144"/>
-                    </a:cubicBezTo>
-                    <a:cubicBezTo>
-                      <a:pt x="1" y="3239"/>
-                      <a:pt x="84" y="3334"/>
-                      <a:pt x="191" y="3334"/>
-                    </a:cubicBezTo>
-                    <a:cubicBezTo>
-                      <a:pt x="298" y="3334"/>
-                      <a:pt x="382" y="3239"/>
-                      <a:pt x="382" y="3144"/>
-                    </a:cubicBezTo>
-                    <a:cubicBezTo>
-                      <a:pt x="382" y="2942"/>
-                      <a:pt x="429" y="2858"/>
-                      <a:pt x="489" y="2739"/>
-                    </a:cubicBezTo>
-                    <a:cubicBezTo>
-                      <a:pt x="560" y="2608"/>
-                      <a:pt x="632" y="2453"/>
-                      <a:pt x="632" y="2156"/>
-                    </a:cubicBezTo>
-                    <a:cubicBezTo>
-                      <a:pt x="632" y="1882"/>
-                      <a:pt x="560" y="1715"/>
-                      <a:pt x="489" y="1584"/>
-                    </a:cubicBezTo>
-                    <a:cubicBezTo>
-                      <a:pt x="429" y="1465"/>
-                      <a:pt x="382" y="1370"/>
-                      <a:pt x="382" y="1179"/>
-                    </a:cubicBezTo>
-                    <a:cubicBezTo>
-                      <a:pt x="382" y="989"/>
-                      <a:pt x="429" y="894"/>
-                      <a:pt x="489" y="775"/>
-                    </a:cubicBezTo>
-                    <a:cubicBezTo>
-                      <a:pt x="560" y="644"/>
-                      <a:pt x="632" y="489"/>
-                      <a:pt x="632" y="191"/>
-                    </a:cubicBezTo>
-                    <a:cubicBezTo>
-                      <a:pt x="632" y="96"/>
-                      <a:pt x="549" y="1"/>
-                      <a:pt x="441" y="1"/>
                     </a:cubicBezTo>
                     <a:close/>
                   </a:path>
@@ -18946,83 +18975,95 @@
             </p:nvSpPr>
             <p:spPr>
               <a:xfrm>
-                <a:off x="2652738" y="1825405"/>
-                <a:ext cx="359301" cy="40580"/>
+                <a:off x="2847140" y="1499873"/>
+                <a:ext cx="20115" cy="106145"/>
               </a:xfrm>
               <a:custGeom>
                 <a:rect b="b" l="l" r="r" t="t"/>
                 <a:pathLst>
-                  <a:path extrusionOk="0" h="1275" w="11289">
+                  <a:path extrusionOk="0" h="3335" w="632">
                     <a:moveTo>
-                      <a:pt x="10645" y="369"/>
+                      <a:pt x="441" y="1"/>
                     </a:moveTo>
-                    <a:lnTo>
-                      <a:pt x="10538" y="655"/>
-                    </a:lnTo>
-                    <a:cubicBezTo>
-                      <a:pt x="10514" y="774"/>
-                      <a:pt x="10359" y="869"/>
-                      <a:pt x="10240" y="869"/>
-                    </a:cubicBezTo>
-                    <a:lnTo>
-                      <a:pt x="1108" y="869"/>
-                    </a:lnTo>
-                    <a:cubicBezTo>
-                      <a:pt x="989" y="869"/>
-                      <a:pt x="834" y="774"/>
-                      <a:pt x="811" y="655"/>
-                    </a:cubicBezTo>
-                    <a:lnTo>
-                      <a:pt x="739" y="369"/>
-                    </a:lnTo>
-                    <a:close/>
-                    <a:moveTo>
-                      <a:pt x="191" y="0"/>
-                    </a:moveTo>
-                    <a:cubicBezTo>
-                      <a:pt x="96" y="0"/>
-                      <a:pt x="1" y="83"/>
-                      <a:pt x="1" y="191"/>
-                    </a:cubicBezTo>
-                    <a:cubicBezTo>
-                      <a:pt x="1" y="298"/>
-                      <a:pt x="96" y="381"/>
-                      <a:pt x="191" y="381"/>
-                    </a:cubicBezTo>
-                    <a:lnTo>
-                      <a:pt x="299" y="381"/>
-                    </a:lnTo>
-                    <a:lnTo>
-                      <a:pt x="406" y="774"/>
-                    </a:lnTo>
-                    <a:cubicBezTo>
-                      <a:pt x="477" y="1060"/>
-                      <a:pt x="775" y="1274"/>
-                      <a:pt x="1072" y="1274"/>
-                    </a:cubicBezTo>
-                    <a:lnTo>
-                      <a:pt x="10216" y="1274"/>
-                    </a:lnTo>
-                    <a:cubicBezTo>
-                      <a:pt x="10514" y="1274"/>
-                      <a:pt x="10812" y="1060"/>
-                      <a:pt x="10883" y="774"/>
-                    </a:cubicBezTo>
-                    <a:lnTo>
-                      <a:pt x="10990" y="381"/>
-                    </a:lnTo>
-                    <a:lnTo>
-                      <a:pt x="11098" y="381"/>
-                    </a:lnTo>
-                    <a:cubicBezTo>
-                      <a:pt x="11193" y="381"/>
-                      <a:pt x="11288" y="298"/>
-                      <a:pt x="11288" y="191"/>
-                    </a:cubicBezTo>
-                    <a:cubicBezTo>
-                      <a:pt x="11288" y="83"/>
-                      <a:pt x="11229" y="0"/>
-                      <a:pt x="11121" y="0"/>
+                    <a:cubicBezTo>
+                      <a:pt x="334" y="1"/>
+                      <a:pt x="251" y="96"/>
+                      <a:pt x="251" y="191"/>
+                    </a:cubicBezTo>
+                    <a:cubicBezTo>
+                      <a:pt x="251" y="394"/>
+                      <a:pt x="203" y="477"/>
+                      <a:pt x="144" y="596"/>
+                    </a:cubicBezTo>
+                    <a:cubicBezTo>
+                      <a:pt x="72" y="727"/>
+                      <a:pt x="1" y="882"/>
+                      <a:pt x="1" y="1179"/>
+                    </a:cubicBezTo>
+                    <a:cubicBezTo>
+                      <a:pt x="1" y="1465"/>
+                      <a:pt x="72" y="1620"/>
+                      <a:pt x="144" y="1763"/>
+                    </a:cubicBezTo>
+                    <a:cubicBezTo>
+                      <a:pt x="203" y="1882"/>
+                      <a:pt x="251" y="1965"/>
+                      <a:pt x="251" y="2156"/>
+                    </a:cubicBezTo>
+                    <a:cubicBezTo>
+                      <a:pt x="251" y="2358"/>
+                      <a:pt x="203" y="2441"/>
+                      <a:pt x="144" y="2561"/>
+                    </a:cubicBezTo>
+                    <a:cubicBezTo>
+                      <a:pt x="84" y="2692"/>
+                      <a:pt x="1" y="2846"/>
+                      <a:pt x="1" y="3144"/>
+                    </a:cubicBezTo>
+                    <a:cubicBezTo>
+                      <a:pt x="1" y="3239"/>
+                      <a:pt x="84" y="3334"/>
+                      <a:pt x="191" y="3334"/>
+                    </a:cubicBezTo>
+                    <a:cubicBezTo>
+                      <a:pt x="298" y="3334"/>
+                      <a:pt x="382" y="3239"/>
+                      <a:pt x="382" y="3144"/>
+                    </a:cubicBezTo>
+                    <a:cubicBezTo>
+                      <a:pt x="382" y="2942"/>
+                      <a:pt x="429" y="2858"/>
+                      <a:pt x="489" y="2739"/>
+                    </a:cubicBezTo>
+                    <a:cubicBezTo>
+                      <a:pt x="560" y="2608"/>
+                      <a:pt x="632" y="2453"/>
+                      <a:pt x="632" y="2156"/>
+                    </a:cubicBezTo>
+                    <a:cubicBezTo>
+                      <a:pt x="632" y="1882"/>
+                      <a:pt x="560" y="1715"/>
+                      <a:pt x="489" y="1584"/>
+                    </a:cubicBezTo>
+                    <a:cubicBezTo>
+                      <a:pt x="429" y="1465"/>
+                      <a:pt x="382" y="1370"/>
+                      <a:pt x="382" y="1179"/>
+                    </a:cubicBezTo>
+                    <a:cubicBezTo>
+                      <a:pt x="382" y="989"/>
+                      <a:pt x="429" y="894"/>
+                      <a:pt x="489" y="775"/>
+                    </a:cubicBezTo>
+                    <a:cubicBezTo>
+                      <a:pt x="560" y="644"/>
+                      <a:pt x="632" y="489"/>
+                      <a:pt x="632" y="191"/>
+                    </a:cubicBezTo>
+                    <a:cubicBezTo>
+                      <a:pt x="632" y="96"/>
+                      <a:pt x="549" y="1"/>
+                      <a:pt x="441" y="1"/>
                     </a:cubicBezTo>
                     <a:close/>
                   </a:path>
@@ -19065,81 +19106,83 @@
             </p:nvSpPr>
             <p:spPr>
               <a:xfrm>
-                <a:off x="2657289" y="1641983"/>
-                <a:ext cx="64833" cy="73935"/>
+                <a:off x="2652738" y="1825405"/>
+                <a:ext cx="359301" cy="40580"/>
               </a:xfrm>
               <a:custGeom>
                 <a:rect b="b" l="l" r="r" t="t"/>
                 <a:pathLst>
-                  <a:path extrusionOk="0" h="2323" w="2037">
+                  <a:path extrusionOk="0" h="1275" w="11289">
                     <a:moveTo>
-                      <a:pt x="1584" y="382"/>
+                      <a:pt x="10645" y="369"/>
                     </a:moveTo>
                     <a:lnTo>
-                      <a:pt x="1584" y="1429"/>
+                      <a:pt x="10538" y="655"/>
                     </a:lnTo>
                     <a:cubicBezTo>
-                      <a:pt x="1584" y="1596"/>
-                      <a:pt x="1596" y="1751"/>
-                      <a:pt x="1620" y="1929"/>
+                      <a:pt x="10514" y="774"/>
+                      <a:pt x="10359" y="869"/>
+                      <a:pt x="10240" y="869"/>
                     </a:cubicBezTo>
                     <a:lnTo>
-                      <a:pt x="1596" y="1929"/>
+                      <a:pt x="1108" y="869"/>
                     </a:lnTo>
                     <a:cubicBezTo>
-                      <a:pt x="929" y="1929"/>
-                      <a:pt x="382" y="1382"/>
-                      <a:pt x="382" y="715"/>
-                    </a:cubicBezTo>
-                    <a:cubicBezTo>
-                      <a:pt x="382" y="596"/>
-                      <a:pt x="394" y="489"/>
-                      <a:pt x="429" y="382"/>
-                    </a:cubicBezTo>
+                      <a:pt x="989" y="869"/>
+                      <a:pt x="834" y="774"/>
+                      <a:pt x="811" y="655"/>
+                    </a:cubicBezTo>
+                    <a:lnTo>
+                      <a:pt x="739" y="369"/>
+                    </a:lnTo>
                     <a:close/>
                     <a:moveTo>
-                      <a:pt x="298" y="1"/>
+                      <a:pt x="191" y="0"/>
                     </a:moveTo>
                     <a:cubicBezTo>
-                      <a:pt x="215" y="1"/>
-                      <a:pt x="144" y="48"/>
-                      <a:pt x="120" y="120"/>
-                    </a:cubicBezTo>
-                    <a:cubicBezTo>
-                      <a:pt x="37" y="310"/>
-                      <a:pt x="13" y="513"/>
-                      <a:pt x="13" y="703"/>
-                    </a:cubicBezTo>
-                    <a:cubicBezTo>
-                      <a:pt x="1" y="1596"/>
-                      <a:pt x="727" y="2322"/>
-                      <a:pt x="1608" y="2322"/>
+                      <a:pt x="96" y="0"/>
+                      <a:pt x="1" y="83"/>
+                      <a:pt x="1" y="191"/>
+                    </a:cubicBezTo>
+                    <a:cubicBezTo>
+                      <a:pt x="1" y="298"/>
+                      <a:pt x="96" y="381"/>
+                      <a:pt x="191" y="381"/>
                     </a:cubicBezTo>
                     <a:lnTo>
-                      <a:pt x="1846" y="2322"/>
+                      <a:pt x="299" y="381"/>
                     </a:lnTo>
-                    <a:cubicBezTo>
-                      <a:pt x="1906" y="2322"/>
-                      <a:pt x="1942" y="2298"/>
-                      <a:pt x="1989" y="2251"/>
-                    </a:cubicBezTo>
-                    <a:cubicBezTo>
-                      <a:pt x="2025" y="2203"/>
-                      <a:pt x="2037" y="2144"/>
-                      <a:pt x="2037" y="2084"/>
-                    </a:cubicBezTo>
-                    <a:cubicBezTo>
-                      <a:pt x="1989" y="1870"/>
-                      <a:pt x="1977" y="1656"/>
-                      <a:pt x="1977" y="1429"/>
-                    </a:cubicBezTo>
                     <a:lnTo>
-                      <a:pt x="1977" y="191"/>
+                      <a:pt x="406" y="774"/>
                     </a:lnTo>
                     <a:cubicBezTo>
-                      <a:pt x="1977" y="84"/>
-                      <a:pt x="1882" y="1"/>
-                      <a:pt x="1787" y="1"/>
+                      <a:pt x="477" y="1060"/>
+                      <a:pt x="775" y="1274"/>
+                      <a:pt x="1072" y="1274"/>
+                    </a:cubicBezTo>
+                    <a:lnTo>
+                      <a:pt x="10216" y="1274"/>
+                    </a:lnTo>
+                    <a:cubicBezTo>
+                      <a:pt x="10514" y="1274"/>
+                      <a:pt x="10812" y="1060"/>
+                      <a:pt x="10883" y="774"/>
+                    </a:cubicBezTo>
+                    <a:lnTo>
+                      <a:pt x="10990" y="381"/>
+                    </a:lnTo>
+                    <a:lnTo>
+                      <a:pt x="11098" y="381"/>
+                    </a:lnTo>
+                    <a:cubicBezTo>
+                      <a:pt x="11193" y="381"/>
+                      <a:pt x="11288" y="298"/>
+                      <a:pt x="11288" y="191"/>
+                    </a:cubicBezTo>
+                    <a:cubicBezTo>
+                      <a:pt x="11288" y="83"/>
+                      <a:pt x="11229" y="0"/>
+                      <a:pt x="11121" y="0"/>
                     </a:cubicBezTo>
                     <a:close/>
                   </a:path>
@@ -19182,105 +19225,81 @@
             </p:nvSpPr>
             <p:spPr>
               <a:xfrm>
-                <a:off x="2633037" y="1617730"/>
-                <a:ext cx="325945" cy="195198"/>
+                <a:off x="2657289" y="1641983"/>
+                <a:ext cx="64833" cy="73935"/>
               </a:xfrm>
               <a:custGeom>
                 <a:rect b="b" l="l" r="r" t="t"/>
                 <a:pathLst>
-                  <a:path extrusionOk="0" h="6133" w="10241">
+                  <a:path extrusionOk="0" h="2323" w="2037">
                     <a:moveTo>
-                      <a:pt x="9847" y="393"/>
+                      <a:pt x="1584" y="382"/>
                     </a:moveTo>
                     <a:lnTo>
-                      <a:pt x="9847" y="2203"/>
+                      <a:pt x="1584" y="1429"/>
                     </a:lnTo>
                     <a:cubicBezTo>
-                      <a:pt x="9847" y="4168"/>
-                      <a:pt x="8252" y="5763"/>
-                      <a:pt x="6287" y="5763"/>
-                    </a:cubicBezTo>
-                    <a:cubicBezTo>
-                      <a:pt x="4859" y="5763"/>
-                      <a:pt x="3573" y="4918"/>
-                      <a:pt x="3013" y="3584"/>
-                    </a:cubicBezTo>
-                    <a:cubicBezTo>
-                      <a:pt x="2989" y="3513"/>
-                      <a:pt x="2918" y="3465"/>
-                      <a:pt x="2834" y="3465"/>
+                      <a:pt x="1584" y="1596"/>
+                      <a:pt x="1596" y="1751"/>
+                      <a:pt x="1620" y="1929"/>
                     </a:cubicBezTo>
                     <a:lnTo>
-                      <a:pt x="2382" y="3465"/>
+                      <a:pt x="1596" y="1929"/>
                     </a:lnTo>
                     <a:cubicBezTo>
-                      <a:pt x="1287" y="3465"/>
-                      <a:pt x="394" y="2572"/>
-                      <a:pt x="394" y="1489"/>
-                    </a:cubicBezTo>
-                    <a:cubicBezTo>
-                      <a:pt x="382" y="1096"/>
-                      <a:pt x="489" y="715"/>
-                      <a:pt x="703" y="393"/>
-                    </a:cubicBezTo>
-                    <a:lnTo>
-                      <a:pt x="8823" y="393"/>
-                    </a:lnTo>
-                    <a:lnTo>
-                      <a:pt x="8823" y="1215"/>
-                    </a:lnTo>
-                    <a:cubicBezTo>
-                      <a:pt x="8823" y="1310"/>
-                      <a:pt x="8919" y="1405"/>
-                      <a:pt x="9014" y="1405"/>
-                    </a:cubicBezTo>
-                    <a:cubicBezTo>
-                      <a:pt x="9121" y="1405"/>
-                      <a:pt x="9204" y="1310"/>
-                      <a:pt x="9204" y="1215"/>
-                    </a:cubicBezTo>
-                    <a:lnTo>
-                      <a:pt x="9204" y="393"/>
-                    </a:lnTo>
+                      <a:pt x="929" y="1929"/>
+                      <a:pt x="382" y="1382"/>
+                      <a:pt x="382" y="715"/>
+                    </a:cubicBezTo>
+                    <a:cubicBezTo>
+                      <a:pt x="382" y="596"/>
+                      <a:pt x="394" y="489"/>
+                      <a:pt x="429" y="382"/>
+                    </a:cubicBezTo>
                     <a:close/>
                     <a:moveTo>
-                      <a:pt x="620" y="1"/>
+                      <a:pt x="298" y="1"/>
                     </a:moveTo>
                     <a:cubicBezTo>
-                      <a:pt x="560" y="1"/>
-                      <a:pt x="501" y="36"/>
-                      <a:pt x="477" y="84"/>
-                    </a:cubicBezTo>
-                    <a:cubicBezTo>
-                      <a:pt x="179" y="477"/>
-                      <a:pt x="25" y="977"/>
-                      <a:pt x="25" y="1465"/>
-                    </a:cubicBezTo>
-                    <a:cubicBezTo>
-                      <a:pt x="1" y="2787"/>
-                      <a:pt x="1060" y="3846"/>
-                      <a:pt x="2370" y="3846"/>
+                      <a:pt x="215" y="1"/>
+                      <a:pt x="144" y="48"/>
+                      <a:pt x="120" y="120"/>
+                    </a:cubicBezTo>
+                    <a:cubicBezTo>
+                      <a:pt x="37" y="310"/>
+                      <a:pt x="13" y="513"/>
+                      <a:pt x="13" y="703"/>
+                    </a:cubicBezTo>
+                    <a:cubicBezTo>
+                      <a:pt x="1" y="1596"/>
+                      <a:pt x="727" y="2322"/>
+                      <a:pt x="1608" y="2322"/>
                     </a:cubicBezTo>
                     <a:lnTo>
-                      <a:pt x="2704" y="3846"/>
+                      <a:pt x="1846" y="2322"/>
                     </a:lnTo>
                     <a:cubicBezTo>
-                      <a:pt x="3346" y="5239"/>
-                      <a:pt x="4751" y="6132"/>
-                      <a:pt x="6299" y="6132"/>
-                    </a:cubicBezTo>
-                    <a:cubicBezTo>
-                      <a:pt x="8466" y="6132"/>
-                      <a:pt x="10240" y="4370"/>
-                      <a:pt x="10240" y="2191"/>
+                      <a:pt x="1906" y="2322"/>
+                      <a:pt x="1942" y="2298"/>
+                      <a:pt x="1989" y="2251"/>
+                    </a:cubicBezTo>
+                    <a:cubicBezTo>
+                      <a:pt x="2025" y="2203"/>
+                      <a:pt x="2037" y="2144"/>
+                      <a:pt x="2037" y="2084"/>
+                    </a:cubicBezTo>
+                    <a:cubicBezTo>
+                      <a:pt x="1989" y="1870"/>
+                      <a:pt x="1977" y="1656"/>
+                      <a:pt x="1977" y="1429"/>
                     </a:cubicBezTo>
                     <a:lnTo>
-                      <a:pt x="10240" y="203"/>
+                      <a:pt x="1977" y="191"/>
                     </a:lnTo>
                     <a:cubicBezTo>
-                      <a:pt x="10240" y="96"/>
-                      <a:pt x="10145" y="1"/>
-                      <a:pt x="10050" y="1"/>
+                      <a:pt x="1977" y="84"/>
+                      <a:pt x="1882" y="1"/>
+                      <a:pt x="1787" y="1"/>
                     </a:cubicBezTo>
                     <a:close/>
                   </a:path>
@@ -19323,6 +19342,147 @@
             </p:nvSpPr>
             <p:spPr>
               <a:xfrm>
+                <a:off x="2633037" y="1617730"/>
+                <a:ext cx="325945" cy="195198"/>
+              </a:xfrm>
+              <a:custGeom>
+                <a:rect b="b" l="l" r="r" t="t"/>
+                <a:pathLst>
+                  <a:path extrusionOk="0" h="6133" w="10241">
+                    <a:moveTo>
+                      <a:pt x="9847" y="393"/>
+                    </a:moveTo>
+                    <a:lnTo>
+                      <a:pt x="9847" y="2203"/>
+                    </a:lnTo>
+                    <a:cubicBezTo>
+                      <a:pt x="9847" y="4168"/>
+                      <a:pt x="8252" y="5763"/>
+                      <a:pt x="6287" y="5763"/>
+                    </a:cubicBezTo>
+                    <a:cubicBezTo>
+                      <a:pt x="4859" y="5763"/>
+                      <a:pt x="3573" y="4918"/>
+                      <a:pt x="3013" y="3584"/>
+                    </a:cubicBezTo>
+                    <a:cubicBezTo>
+                      <a:pt x="2989" y="3513"/>
+                      <a:pt x="2918" y="3465"/>
+                      <a:pt x="2834" y="3465"/>
+                    </a:cubicBezTo>
+                    <a:lnTo>
+                      <a:pt x="2382" y="3465"/>
+                    </a:lnTo>
+                    <a:cubicBezTo>
+                      <a:pt x="1287" y="3465"/>
+                      <a:pt x="394" y="2572"/>
+                      <a:pt x="394" y="1489"/>
+                    </a:cubicBezTo>
+                    <a:cubicBezTo>
+                      <a:pt x="382" y="1096"/>
+                      <a:pt x="489" y="715"/>
+                      <a:pt x="703" y="393"/>
+                    </a:cubicBezTo>
+                    <a:lnTo>
+                      <a:pt x="8823" y="393"/>
+                    </a:lnTo>
+                    <a:lnTo>
+                      <a:pt x="8823" y="1215"/>
+                    </a:lnTo>
+                    <a:cubicBezTo>
+                      <a:pt x="8823" y="1310"/>
+                      <a:pt x="8919" y="1405"/>
+                      <a:pt x="9014" y="1405"/>
+                    </a:cubicBezTo>
+                    <a:cubicBezTo>
+                      <a:pt x="9121" y="1405"/>
+                      <a:pt x="9204" y="1310"/>
+                      <a:pt x="9204" y="1215"/>
+                    </a:cubicBezTo>
+                    <a:lnTo>
+                      <a:pt x="9204" y="393"/>
+                    </a:lnTo>
+                    <a:close/>
+                    <a:moveTo>
+                      <a:pt x="620" y="1"/>
+                    </a:moveTo>
+                    <a:cubicBezTo>
+                      <a:pt x="560" y="1"/>
+                      <a:pt x="501" y="36"/>
+                      <a:pt x="477" y="84"/>
+                    </a:cubicBezTo>
+                    <a:cubicBezTo>
+                      <a:pt x="179" y="477"/>
+                      <a:pt x="25" y="977"/>
+                      <a:pt x="25" y="1465"/>
+                    </a:cubicBezTo>
+                    <a:cubicBezTo>
+                      <a:pt x="1" y="2787"/>
+                      <a:pt x="1060" y="3846"/>
+                      <a:pt x="2370" y="3846"/>
+                    </a:cubicBezTo>
+                    <a:lnTo>
+                      <a:pt x="2704" y="3846"/>
+                    </a:lnTo>
+                    <a:cubicBezTo>
+                      <a:pt x="3346" y="5239"/>
+                      <a:pt x="4751" y="6132"/>
+                      <a:pt x="6299" y="6132"/>
+                    </a:cubicBezTo>
+                    <a:cubicBezTo>
+                      <a:pt x="8466" y="6132"/>
+                      <a:pt x="10240" y="4370"/>
+                      <a:pt x="10240" y="2191"/>
+                    </a:cubicBezTo>
+                    <a:lnTo>
+                      <a:pt x="10240" y="203"/>
+                    </a:lnTo>
+                    <a:cubicBezTo>
+                      <a:pt x="10240" y="96"/>
+                      <a:pt x="10145" y="1"/>
+                      <a:pt x="10050" y="1"/>
+                    </a:cubicBezTo>
+                    <a:close/>
+                  </a:path>
+                </a:pathLst>
+              </a:custGeom>
+              <a:solidFill>
+                <a:schemeClr val="lt1"/>
+              </a:solidFill>
+              <a:ln>
+                <a:noFill/>
+              </a:ln>
+            </p:spPr>
+            <p:txBody>
+              <a:bodyPr anchorCtr="0" anchor="ctr" bIns="91425" lIns="91425" spcFirstLastPara="1" rIns="91425" wrap="square" tIns="91425">
+                <a:noAutofit/>
+              </a:bodyPr>
+              <a:lstStyle/>
+              <a:p>
+                <a:pPr indent="0" lvl="0" marL="0" rtl="0" algn="l">
+                  <a:spcBef>
+                    <a:spcPts val="0"/>
+                  </a:spcBef>
+                  <a:spcAft>
+                    <a:spcPts val="0"/>
+                  </a:spcAft>
+                  <a:buNone/>
+                </a:pPr>
+                <a:r>
+                  <a:t/>
+                </a:r>
+                <a:endParaRPr/>
+              </a:p>
+            </p:txBody>
+          </p:sp>
+          <p:sp>
+            <p:nvSpPr>
+              <p:cNvPr id="203" name="Google Shape;203;p17"/>
+              <p:cNvSpPr/>
+              <p:nvPr/>
+            </p:nvSpPr>
+            <p:spPr>
+              <a:xfrm>
                 <a:off x="2826293" y="1674574"/>
                 <a:ext cx="99334" cy="106145"/>
               </a:xfrm>
@@ -19406,7 +19566,7 @@
       </p:grpSp>
       <p:grpSp>
         <p:nvGrpSpPr>
-          <p:cNvPr id="203" name="Google Shape;203;p17"/>
+          <p:cNvPr id="204" name="Google Shape;204;p17"/>
           <p:cNvGrpSpPr/>
           <p:nvPr/>
         </p:nvGrpSpPr>
@@ -19420,7 +19580,7 @@
         </p:grpSpPr>
         <p:sp>
           <p:nvSpPr>
-            <p:cNvPr id="204" name="Google Shape;204;p17"/>
+            <p:cNvPr id="205" name="Google Shape;205;p17"/>
             <p:cNvSpPr/>
             <p:nvPr/>
           </p:nvSpPr>
@@ -19490,7 +19650,7 @@
         </p:sp>
         <p:sp>
           <p:nvSpPr>
-            <p:cNvPr id="205" name="Google Shape;205;p17"/>
+            <p:cNvPr id="206" name="Google Shape;206;p17"/>
             <p:cNvSpPr txBox="1"/>
             <p:nvPr/>
           </p:nvSpPr>
@@ -19542,7 +19702,7 @@
         </p:sp>
         <p:sp>
           <p:nvSpPr>
-            <p:cNvPr id="206" name="Google Shape;206;p17"/>
+            <p:cNvPr id="207" name="Google Shape;207;p17"/>
             <p:cNvSpPr/>
             <p:nvPr/>
           </p:nvSpPr>
@@ -19598,7 +19758,7 @@
         </p:sp>
         <p:sp>
           <p:nvSpPr>
-            <p:cNvPr id="207" name="Google Shape;207;p17"/>
+            <p:cNvPr id="208" name="Google Shape;208;p17"/>
             <p:cNvSpPr/>
             <p:nvPr/>
           </p:nvSpPr>
@@ -19649,10 +19809,10 @@
         </p:sp>
         <p:cxnSp>
           <p:nvCxnSpPr>
-            <p:cNvPr id="208" name="Google Shape;208;p17"/>
+            <p:cNvPr id="209" name="Google Shape;209;p17"/>
             <p:cNvCxnSpPr>
-              <a:stCxn id="206" idx="6"/>
-              <a:endCxn id="207" idx="2"/>
+              <a:stCxn id="207" idx="6"/>
+              <a:endCxn id="208" idx="2"/>
             </p:cNvCxnSpPr>
             <p:nvPr/>
           </p:nvCxnSpPr>
@@ -19678,7 +19838,7 @@
         </p:cxnSp>
         <p:grpSp>
           <p:nvGrpSpPr>
-            <p:cNvPr id="209" name="Google Shape;209;p17"/>
+            <p:cNvPr id="210" name="Google Shape;210;p17"/>
             <p:cNvGrpSpPr/>
             <p:nvPr/>
           </p:nvGrpSpPr>
@@ -19692,7 +19852,7 @@
           </p:grpSpPr>
           <p:sp>
             <p:nvSpPr>
-              <p:cNvPr id="210" name="Google Shape;210;p17"/>
+              <p:cNvPr id="211" name="Google Shape;211;p17"/>
               <p:cNvSpPr/>
               <p:nvPr/>
             </p:nvSpPr>
@@ -19833,169 +19993,6 @@
                       <a:pt x="9479" y="40"/>
                       <a:pt x="9426" y="0"/>
                       <a:pt x="9368" y="0"/>
-                    </a:cubicBezTo>
-                    <a:close/>
-                  </a:path>
-                </a:pathLst>
-              </a:custGeom>
-              <a:solidFill>
-                <a:schemeClr val="lt1"/>
-              </a:solidFill>
-              <a:ln>
-                <a:noFill/>
-              </a:ln>
-            </p:spPr>
-            <p:txBody>
-              <a:bodyPr anchorCtr="0" anchor="ctr" bIns="91425" lIns="91425" spcFirstLastPara="1" rIns="91425" wrap="square" tIns="91425">
-                <a:noAutofit/>
-              </a:bodyPr>
-              <a:lstStyle/>
-              <a:p>
-                <a:pPr indent="0" lvl="0" marL="0" rtl="0" algn="l">
-                  <a:spcBef>
-                    <a:spcPts val="0"/>
-                  </a:spcBef>
-                  <a:spcAft>
-                    <a:spcPts val="0"/>
-                  </a:spcAft>
-                  <a:buNone/>
-                </a:pPr>
-                <a:r>
-                  <a:t/>
-                </a:r>
-                <a:endParaRPr/>
-              </a:p>
-            </p:txBody>
-          </p:sp>
-          <p:sp>
-            <p:nvSpPr>
-              <p:cNvPr id="211" name="Google Shape;211;p17"/>
-              <p:cNvSpPr/>
-              <p:nvPr/>
-            </p:nvSpPr>
-            <p:spPr>
-              <a:xfrm>
-                <a:off x="2201806" y="1976585"/>
-                <a:ext cx="319484" cy="252424"/>
-              </a:xfrm>
-              <a:custGeom>
-                <a:rect b="b" l="l" r="r" t="t"/>
-                <a:pathLst>
-                  <a:path extrusionOk="0" h="7931" w="10038">
-                    <a:moveTo>
-                      <a:pt x="5501" y="1"/>
-                    </a:moveTo>
-                    <a:cubicBezTo>
-                      <a:pt x="4025" y="1"/>
-                      <a:pt x="2656" y="560"/>
-                      <a:pt x="1608" y="1608"/>
-                    </a:cubicBezTo>
-                    <a:cubicBezTo>
-                      <a:pt x="572" y="2644"/>
-                      <a:pt x="0" y="4013"/>
-                      <a:pt x="0" y="5490"/>
-                    </a:cubicBezTo>
-                    <a:cubicBezTo>
-                      <a:pt x="0" y="6311"/>
-                      <a:pt x="179" y="7109"/>
-                      <a:pt x="536" y="7835"/>
-                    </a:cubicBezTo>
-                    <a:cubicBezTo>
-                      <a:pt x="572" y="7895"/>
-                      <a:pt x="632" y="7930"/>
-                      <a:pt x="691" y="7930"/>
-                    </a:cubicBezTo>
-                    <a:cubicBezTo>
-                      <a:pt x="715" y="7930"/>
-                      <a:pt x="739" y="7930"/>
-                      <a:pt x="762" y="7918"/>
-                    </a:cubicBezTo>
-                    <a:cubicBezTo>
-                      <a:pt x="834" y="7871"/>
-                      <a:pt x="882" y="7776"/>
-                      <a:pt x="834" y="7704"/>
-                    </a:cubicBezTo>
-                    <a:cubicBezTo>
-                      <a:pt x="512" y="7002"/>
-                      <a:pt x="346" y="6263"/>
-                      <a:pt x="346" y="5490"/>
-                    </a:cubicBezTo>
-                    <a:cubicBezTo>
-                      <a:pt x="346" y="4108"/>
-                      <a:pt x="882" y="2811"/>
-                      <a:pt x="1870" y="1822"/>
-                    </a:cubicBezTo>
-                    <a:cubicBezTo>
-                      <a:pt x="2846" y="846"/>
-                      <a:pt x="4144" y="310"/>
-                      <a:pt x="5525" y="310"/>
-                    </a:cubicBezTo>
-                    <a:cubicBezTo>
-                      <a:pt x="7049" y="310"/>
-                      <a:pt x="8454" y="965"/>
-                      <a:pt x="9454" y="2108"/>
-                    </a:cubicBezTo>
-                    <a:lnTo>
-                      <a:pt x="8811" y="1906"/>
-                    </a:lnTo>
-                    <a:cubicBezTo>
-                      <a:pt x="8792" y="1898"/>
-                      <a:pt x="8772" y="1894"/>
-                      <a:pt x="8753" y="1894"/>
-                    </a:cubicBezTo>
-                    <a:cubicBezTo>
-                      <a:pt x="8688" y="1894"/>
-                      <a:pt x="8627" y="1937"/>
-                      <a:pt x="8609" y="2001"/>
-                    </a:cubicBezTo>
-                    <a:cubicBezTo>
-                      <a:pt x="8573" y="2096"/>
-                      <a:pt x="8621" y="2180"/>
-                      <a:pt x="8716" y="2215"/>
-                    </a:cubicBezTo>
-                    <a:lnTo>
-                      <a:pt x="9859" y="2596"/>
-                    </a:lnTo>
-                    <a:cubicBezTo>
-                      <a:pt x="9871" y="2596"/>
-                      <a:pt x="9883" y="2620"/>
-                      <a:pt x="9906" y="2620"/>
-                    </a:cubicBezTo>
-                    <a:cubicBezTo>
-                      <a:pt x="9930" y="2620"/>
-                      <a:pt x="9978" y="2596"/>
-                      <a:pt x="10002" y="2572"/>
-                    </a:cubicBezTo>
-                    <a:cubicBezTo>
-                      <a:pt x="10026" y="2525"/>
-                      <a:pt x="10037" y="2465"/>
-                      <a:pt x="10037" y="2418"/>
-                    </a:cubicBezTo>
-                    <a:lnTo>
-                      <a:pt x="9847" y="1084"/>
-                    </a:lnTo>
-                    <a:cubicBezTo>
-                      <a:pt x="9827" y="1003"/>
-                      <a:pt x="9772" y="948"/>
-                      <a:pt x="9705" y="948"/>
-                    </a:cubicBezTo>
-                    <a:cubicBezTo>
-                      <a:pt x="9693" y="948"/>
-                      <a:pt x="9681" y="950"/>
-                      <a:pt x="9668" y="953"/>
-                    </a:cubicBezTo>
-                    <a:cubicBezTo>
-                      <a:pt x="9573" y="965"/>
-                      <a:pt x="9514" y="1037"/>
-                      <a:pt x="9525" y="1132"/>
-                    </a:cubicBezTo>
-                    <a:lnTo>
-                      <a:pt x="9633" y="1870"/>
-                    </a:lnTo>
-                    <a:cubicBezTo>
-                      <a:pt x="8597" y="667"/>
-                      <a:pt x="7085" y="1"/>
-                      <a:pt x="5501" y="1"/>
                     </a:cubicBezTo>
                     <a:close/>
                   </a:path>
@@ -20038,57 +20035,127 @@
             </p:nvSpPr>
             <p:spPr>
               <a:xfrm>
-                <a:off x="2331789" y="2068662"/>
-                <a:ext cx="16709" cy="27340"/>
+                <a:off x="2201806" y="1976585"/>
+                <a:ext cx="319484" cy="252424"/>
               </a:xfrm>
               <a:custGeom>
                 <a:rect b="b" l="l" r="r" t="t"/>
                 <a:pathLst>
-                  <a:path extrusionOk="0" h="859" w="525">
+                  <a:path extrusionOk="0" h="7931" w="10038">
                     <a:moveTo>
-                      <a:pt x="358" y="1"/>
+                      <a:pt x="5501" y="1"/>
                     </a:moveTo>
                     <a:cubicBezTo>
-                      <a:pt x="262" y="1"/>
-                      <a:pt x="191" y="84"/>
-                      <a:pt x="191" y="168"/>
+                      <a:pt x="4025" y="1"/>
+                      <a:pt x="2656" y="560"/>
+                      <a:pt x="1608" y="1608"/>
+                    </a:cubicBezTo>
+                    <a:cubicBezTo>
+                      <a:pt x="572" y="2644"/>
+                      <a:pt x="0" y="4013"/>
+                      <a:pt x="0" y="5490"/>
+                    </a:cubicBezTo>
+                    <a:cubicBezTo>
+                      <a:pt x="0" y="6311"/>
+                      <a:pt x="179" y="7109"/>
+                      <a:pt x="536" y="7835"/>
+                    </a:cubicBezTo>
+                    <a:cubicBezTo>
+                      <a:pt x="572" y="7895"/>
+                      <a:pt x="632" y="7930"/>
+                      <a:pt x="691" y="7930"/>
+                    </a:cubicBezTo>
+                    <a:cubicBezTo>
+                      <a:pt x="715" y="7930"/>
+                      <a:pt x="739" y="7930"/>
+                      <a:pt x="762" y="7918"/>
+                    </a:cubicBezTo>
+                    <a:cubicBezTo>
+                      <a:pt x="834" y="7871"/>
+                      <a:pt x="882" y="7776"/>
+                      <a:pt x="834" y="7704"/>
+                    </a:cubicBezTo>
+                    <a:cubicBezTo>
+                      <a:pt x="512" y="7002"/>
+                      <a:pt x="346" y="6263"/>
+                      <a:pt x="346" y="5490"/>
+                    </a:cubicBezTo>
+                    <a:cubicBezTo>
+                      <a:pt x="346" y="4108"/>
+                      <a:pt x="882" y="2811"/>
+                      <a:pt x="1870" y="1822"/>
+                    </a:cubicBezTo>
+                    <a:cubicBezTo>
+                      <a:pt x="2846" y="846"/>
+                      <a:pt x="4144" y="310"/>
+                      <a:pt x="5525" y="310"/>
+                    </a:cubicBezTo>
+                    <a:cubicBezTo>
+                      <a:pt x="7049" y="310"/>
+                      <a:pt x="8454" y="965"/>
+                      <a:pt x="9454" y="2108"/>
                     </a:cubicBezTo>
                     <a:lnTo>
-                      <a:pt x="191" y="465"/>
+                      <a:pt x="8811" y="1906"/>
                     </a:lnTo>
+                    <a:cubicBezTo>
+                      <a:pt x="8792" y="1898"/>
+                      <a:pt x="8772" y="1894"/>
+                      <a:pt x="8753" y="1894"/>
+                    </a:cubicBezTo>
+                    <a:cubicBezTo>
+                      <a:pt x="8688" y="1894"/>
+                      <a:pt x="8627" y="1937"/>
+                      <a:pt x="8609" y="2001"/>
+                    </a:cubicBezTo>
+                    <a:cubicBezTo>
+                      <a:pt x="8573" y="2096"/>
+                      <a:pt x="8621" y="2180"/>
+                      <a:pt x="8716" y="2215"/>
+                    </a:cubicBezTo>
                     <a:lnTo>
-                      <a:pt x="72" y="584"/>
+                      <a:pt x="9859" y="2596"/>
                     </a:lnTo>
                     <a:cubicBezTo>
-                      <a:pt x="12" y="644"/>
-                      <a:pt x="0" y="751"/>
-                      <a:pt x="72" y="811"/>
-                    </a:cubicBezTo>
-                    <a:cubicBezTo>
-                      <a:pt x="96" y="834"/>
-                      <a:pt x="143" y="858"/>
-                      <a:pt x="191" y="858"/>
-                    </a:cubicBezTo>
-                    <a:cubicBezTo>
-                      <a:pt x="238" y="858"/>
-                      <a:pt x="262" y="834"/>
-                      <a:pt x="298" y="811"/>
+                      <a:pt x="9871" y="2596"/>
+                      <a:pt x="9883" y="2620"/>
+                      <a:pt x="9906" y="2620"/>
+                    </a:cubicBezTo>
+                    <a:cubicBezTo>
+                      <a:pt x="9930" y="2620"/>
+                      <a:pt x="9978" y="2596"/>
+                      <a:pt x="10002" y="2572"/>
+                    </a:cubicBezTo>
+                    <a:cubicBezTo>
+                      <a:pt x="10026" y="2525"/>
+                      <a:pt x="10037" y="2465"/>
+                      <a:pt x="10037" y="2418"/>
                     </a:cubicBezTo>
                     <a:lnTo>
-                      <a:pt x="453" y="644"/>
+                      <a:pt x="9847" y="1084"/>
                     </a:lnTo>
                     <a:cubicBezTo>
-                      <a:pt x="488" y="620"/>
-                      <a:pt x="500" y="572"/>
-                      <a:pt x="500" y="525"/>
+                      <a:pt x="9827" y="1003"/>
+                      <a:pt x="9772" y="948"/>
+                      <a:pt x="9705" y="948"/>
+                    </a:cubicBezTo>
+                    <a:cubicBezTo>
+                      <a:pt x="9693" y="948"/>
+                      <a:pt x="9681" y="950"/>
+                      <a:pt x="9668" y="953"/>
+                    </a:cubicBezTo>
+                    <a:cubicBezTo>
+                      <a:pt x="9573" y="965"/>
+                      <a:pt x="9514" y="1037"/>
+                      <a:pt x="9525" y="1132"/>
                     </a:cubicBezTo>
                     <a:lnTo>
-                      <a:pt x="524" y="168"/>
+                      <a:pt x="9633" y="1870"/>
                     </a:lnTo>
                     <a:cubicBezTo>
-                      <a:pt x="524" y="84"/>
-                      <a:pt x="441" y="1"/>
-                      <a:pt x="358" y="1"/>
+                      <a:pt x="8597" y="667"/>
+                      <a:pt x="7085" y="1"/>
+                      <a:pt x="5501" y="1"/>
                     </a:cubicBezTo>
                     <a:close/>
                   </a:path>
@@ -20131,6 +20198,99 @@
             </p:nvSpPr>
             <p:spPr>
               <a:xfrm>
+                <a:off x="2331789" y="2068662"/>
+                <a:ext cx="16709" cy="27340"/>
+              </a:xfrm>
+              <a:custGeom>
+                <a:rect b="b" l="l" r="r" t="t"/>
+                <a:pathLst>
+                  <a:path extrusionOk="0" h="859" w="525">
+                    <a:moveTo>
+                      <a:pt x="358" y="1"/>
+                    </a:moveTo>
+                    <a:cubicBezTo>
+                      <a:pt x="262" y="1"/>
+                      <a:pt x="191" y="84"/>
+                      <a:pt x="191" y="168"/>
+                    </a:cubicBezTo>
+                    <a:lnTo>
+                      <a:pt x="191" y="465"/>
+                    </a:lnTo>
+                    <a:lnTo>
+                      <a:pt x="72" y="584"/>
+                    </a:lnTo>
+                    <a:cubicBezTo>
+                      <a:pt x="12" y="644"/>
+                      <a:pt x="0" y="751"/>
+                      <a:pt x="72" y="811"/>
+                    </a:cubicBezTo>
+                    <a:cubicBezTo>
+                      <a:pt x="96" y="834"/>
+                      <a:pt x="143" y="858"/>
+                      <a:pt x="191" y="858"/>
+                    </a:cubicBezTo>
+                    <a:cubicBezTo>
+                      <a:pt x="238" y="858"/>
+                      <a:pt x="262" y="834"/>
+                      <a:pt x="298" y="811"/>
+                    </a:cubicBezTo>
+                    <a:lnTo>
+                      <a:pt x="453" y="644"/>
+                    </a:lnTo>
+                    <a:cubicBezTo>
+                      <a:pt x="488" y="620"/>
+                      <a:pt x="500" y="572"/>
+                      <a:pt x="500" y="525"/>
+                    </a:cubicBezTo>
+                    <a:lnTo>
+                      <a:pt x="524" y="168"/>
+                    </a:lnTo>
+                    <a:cubicBezTo>
+                      <a:pt x="524" y="84"/>
+                      <a:pt x="441" y="1"/>
+                      <a:pt x="358" y="1"/>
+                    </a:cubicBezTo>
+                    <a:close/>
+                  </a:path>
+                </a:pathLst>
+              </a:custGeom>
+              <a:solidFill>
+                <a:schemeClr val="lt1"/>
+              </a:solidFill>
+              <a:ln>
+                <a:noFill/>
+              </a:ln>
+            </p:spPr>
+            <p:txBody>
+              <a:bodyPr anchorCtr="0" anchor="ctr" bIns="91425" lIns="91425" spcFirstLastPara="1" rIns="91425" wrap="square" tIns="91425">
+                <a:noAutofit/>
+              </a:bodyPr>
+              <a:lstStyle/>
+              <a:p>
+                <a:pPr indent="0" lvl="0" marL="0" rtl="0" algn="l">
+                  <a:spcBef>
+                    <a:spcPts val="0"/>
+                  </a:spcBef>
+                  <a:spcAft>
+                    <a:spcPts val="0"/>
+                  </a:spcAft>
+                  <a:buNone/>
+                </a:pPr>
+                <a:r>
+                  <a:t/>
+                </a:r>
+                <a:endParaRPr/>
+              </a:p>
+            </p:txBody>
+          </p:sp>
+          <p:sp>
+            <p:nvSpPr>
+              <p:cNvPr id="214" name="Google Shape;214;p17"/>
+              <p:cNvSpPr/>
+              <p:nvPr/>
+            </p:nvSpPr>
+            <p:spPr>
+              <a:xfrm>
                 <a:off x="2243118" y="2021653"/>
                 <a:ext cx="265664" cy="261908"/>
               </a:xfrm>
@@ -21073,7 +21233,7 @@
       </p:grpSp>
       <p:grpSp>
         <p:nvGrpSpPr>
-          <p:cNvPr id="214" name="Google Shape;214;p17"/>
+          <p:cNvPr id="215" name="Google Shape;215;p17"/>
           <p:cNvGrpSpPr/>
           <p:nvPr/>
         </p:nvGrpSpPr>
@@ -21087,7 +21247,7 @@
         </p:grpSpPr>
         <p:sp>
           <p:nvSpPr>
-            <p:cNvPr id="215" name="Google Shape;215;p17"/>
+            <p:cNvPr id="216" name="Google Shape;216;p17"/>
             <p:cNvSpPr/>
             <p:nvPr/>
           </p:nvSpPr>
@@ -21157,7 +21317,7 @@
         </p:sp>
         <p:sp>
           <p:nvSpPr>
-            <p:cNvPr id="216" name="Google Shape;216;p17"/>
+            <p:cNvPr id="217" name="Google Shape;217;p17"/>
             <p:cNvSpPr txBox="1"/>
             <p:nvPr/>
           </p:nvSpPr>
@@ -21212,7 +21372,7 @@
         </p:sp>
         <p:sp>
           <p:nvSpPr>
-            <p:cNvPr id="217" name="Google Shape;217;p17"/>
+            <p:cNvPr id="218" name="Google Shape;218;p17"/>
             <p:cNvSpPr/>
             <p:nvPr/>
           </p:nvSpPr>
@@ -21268,7 +21428,7 @@
         </p:sp>
         <p:sp>
           <p:nvSpPr>
-            <p:cNvPr id="218" name="Google Shape;218;p17"/>
+            <p:cNvPr id="219" name="Google Shape;219;p17"/>
             <p:cNvSpPr/>
             <p:nvPr/>
           </p:nvSpPr>
@@ -21319,10 +21479,10 @@
         </p:sp>
         <p:cxnSp>
           <p:nvCxnSpPr>
-            <p:cNvPr id="219" name="Google Shape;219;p17"/>
+            <p:cNvPr id="220" name="Google Shape;220;p17"/>
             <p:cNvCxnSpPr>
-              <a:stCxn id="217" idx="6"/>
-              <a:endCxn id="218" idx="2"/>
+              <a:stCxn id="218" idx="6"/>
+              <a:endCxn id="219" idx="2"/>
             </p:cNvCxnSpPr>
             <p:nvPr/>
           </p:nvCxnSpPr>
@@ -21348,7 +21508,7 @@
         </p:cxnSp>
         <p:grpSp>
           <p:nvGrpSpPr>
-            <p:cNvPr id="220" name="Google Shape;220;p17"/>
+            <p:cNvPr id="221" name="Google Shape;221;p17"/>
             <p:cNvGrpSpPr/>
             <p:nvPr/>
           </p:nvGrpSpPr>
@@ -21362,7 +21522,7 @@
           </p:grpSpPr>
           <p:sp>
             <p:nvSpPr>
-              <p:cNvPr id="221" name="Google Shape;221;p17"/>
+              <p:cNvPr id="222" name="Google Shape;222;p17"/>
               <p:cNvSpPr/>
               <p:nvPr/>
             </p:nvSpPr>
@@ -22259,7 +22419,7 @@
           </p:sp>
           <p:sp>
             <p:nvSpPr>
-              <p:cNvPr id="222" name="Google Shape;222;p17"/>
+              <p:cNvPr id="223" name="Google Shape;223;p17"/>
               <p:cNvSpPr/>
               <p:nvPr/>
             </p:nvSpPr>
@@ -22348,7 +22508,7 @@
       </p:grpSp>
       <p:pic>
         <p:nvPicPr>
-          <p:cNvPr id="223" name="Google Shape;223;p17"/>
+          <p:cNvPr id="224" name="Google Shape;224;p17"/>
           <p:cNvPicPr preferRelativeResize="0"/>
           <p:nvPr/>
         </p:nvPicPr>
@@ -22376,7 +22536,7 @@
       </p:pic>
       <p:sp>
         <p:nvSpPr>
-          <p:cNvPr id="224" name="Google Shape;224;p17"/>
+          <p:cNvPr id="225" name="Google Shape;225;p17"/>
           <p:cNvSpPr/>
           <p:nvPr/>
         </p:nvSpPr>
@@ -22452,7 +22612,7 @@
       </p:sp>
       <p:sp>
         <p:nvSpPr>
-          <p:cNvPr id="225" name="Google Shape;225;p17"/>
+          <p:cNvPr id="226" name="Google Shape;226;p17"/>
           <p:cNvSpPr/>
           <p:nvPr/>
         </p:nvSpPr>
@@ -22528,7 +22688,7 @@
       </p:sp>
       <p:sp>
         <p:nvSpPr>
-          <p:cNvPr id="226" name="Google Shape;226;p17"/>
+          <p:cNvPr id="227" name="Google Shape;227;p17"/>
           <p:cNvSpPr/>
           <p:nvPr/>
         </p:nvSpPr>
@@ -22604,7 +22764,7 @@
       </p:sp>
       <p:sp>
         <p:nvSpPr>
-          <p:cNvPr id="227" name="Google Shape;227;p17"/>
+          <p:cNvPr id="228" name="Google Shape;228;p17"/>
           <p:cNvSpPr/>
           <p:nvPr/>
         </p:nvSpPr>
@@ -22680,7 +22840,7 @@
       </p:sp>
       <p:sp>
         <p:nvSpPr>
-          <p:cNvPr id="228" name="Google Shape;228;p17"/>
+          <p:cNvPr id="229" name="Google Shape;229;p17"/>
           <p:cNvSpPr txBox="1"/>
           <p:nvPr>
             <p:ph type="title"/>
@@ -22746,7 +22906,7 @@
   <p:cSld>
     <p:spTree>
       <p:nvGrpSpPr>
-        <p:cNvPr id="232" name="Shape 232"/>
+        <p:cNvPr id="233" name="Shape 233"/>
         <p:cNvGrpSpPr/>
         <p:nvPr/>
       </p:nvGrpSpPr>
@@ -22760,7 +22920,7 @@
       </p:grpSpPr>
       <p:sp>
         <p:nvSpPr>
-          <p:cNvPr id="233" name="Google Shape;233;p18"/>
+          <p:cNvPr id="234" name="Google Shape;234;p18"/>
           <p:cNvSpPr txBox="1"/>
           <p:nvPr>
             <p:ph type="title"/>
@@ -22804,7 +22964,7 @@
       </p:sp>
       <p:sp>
         <p:nvSpPr>
-          <p:cNvPr id="234" name="Google Shape;234;p18"/>
+          <p:cNvPr id="235" name="Google Shape;235;p18"/>
           <p:cNvSpPr txBox="1"/>
           <p:nvPr/>
         </p:nvSpPr>
@@ -22856,7 +23016,7 @@
       </p:sp>
       <p:sp>
         <p:nvSpPr>
-          <p:cNvPr id="235" name="Google Shape;235;p18"/>
+          <p:cNvPr id="236" name="Google Shape;236;p18"/>
           <p:cNvSpPr/>
           <p:nvPr/>
         </p:nvSpPr>
@@ -22935,7 +23095,7 @@
       </p:sp>
       <p:grpSp>
         <p:nvGrpSpPr>
-          <p:cNvPr id="236" name="Google Shape;236;p18"/>
+          <p:cNvPr id="237" name="Google Shape;237;p18"/>
           <p:cNvGrpSpPr/>
           <p:nvPr/>
         </p:nvGrpSpPr>
@@ -22949,7 +23109,7 @@
         </p:grpSpPr>
         <p:sp>
           <p:nvSpPr>
-            <p:cNvPr id="237" name="Google Shape;237;p18"/>
+            <p:cNvPr id="238" name="Google Shape;238;p18"/>
             <p:cNvSpPr/>
             <p:nvPr/>
           </p:nvSpPr>
@@ -23846,7 +24006,7 @@
         </p:sp>
         <p:sp>
           <p:nvSpPr>
-            <p:cNvPr id="238" name="Google Shape;238;p18"/>
+            <p:cNvPr id="239" name="Google Shape;239;p18"/>
             <p:cNvSpPr/>
             <p:nvPr/>
           </p:nvSpPr>
@@ -23934,7 +24094,7 @@
       </p:grpSp>
       <p:pic>
         <p:nvPicPr>
-          <p:cNvPr id="239" name="Google Shape;239;p18"/>
+          <p:cNvPr id="240" name="Google Shape;240;p18"/>
           <p:cNvPicPr preferRelativeResize="0"/>
           <p:nvPr/>
         </p:nvPicPr>
@@ -23968,7 +24128,7 @@
       </p:pic>
       <p:sp>
         <p:nvSpPr>
-          <p:cNvPr id="240" name="Google Shape;240;p18"/>
+          <p:cNvPr id="241" name="Google Shape;241;p18"/>
           <p:cNvSpPr txBox="1"/>
           <p:nvPr/>
         </p:nvSpPr>
@@ -24020,7 +24180,7 @@
       </p:sp>
       <p:sp>
         <p:nvSpPr>
-          <p:cNvPr id="241" name="Google Shape;241;p18"/>
+          <p:cNvPr id="242" name="Google Shape;242;p18"/>
           <p:cNvSpPr txBox="1"/>
           <p:nvPr/>
         </p:nvSpPr>
@@ -24072,7 +24232,7 @@
       </p:sp>
       <p:sp>
         <p:nvSpPr>
-          <p:cNvPr id="242" name="Google Shape;242;p18"/>
+          <p:cNvPr id="243" name="Google Shape;243;p18"/>
           <p:cNvSpPr/>
           <p:nvPr/>
         </p:nvSpPr>
@@ -24151,7 +24311,7 @@
       </p:sp>
       <p:sp>
         <p:nvSpPr>
-          <p:cNvPr id="243" name="Google Shape;243;p18"/>
+          <p:cNvPr id="244" name="Google Shape;244;p18"/>
           <p:cNvSpPr/>
           <p:nvPr/>
         </p:nvSpPr>
@@ -24230,7 +24390,7 @@
       </p:sp>
       <p:sp>
         <p:nvSpPr>
-          <p:cNvPr id="244" name="Google Shape;244;p18"/>
+          <p:cNvPr id="245" name="Google Shape;245;p18"/>
           <p:cNvSpPr/>
           <p:nvPr/>
         </p:nvSpPr>
@@ -24667,7 +24827,7 @@
       </p:sp>
       <p:sp>
         <p:nvSpPr>
-          <p:cNvPr id="245" name="Google Shape;245;p18"/>
+          <p:cNvPr id="246" name="Google Shape;246;p18"/>
           <p:cNvSpPr/>
           <p:nvPr/>
         </p:nvSpPr>
@@ -25104,7 +25264,7 @@
       </p:sp>
       <p:sp>
         <p:nvSpPr>
-          <p:cNvPr id="246" name="Google Shape;246;p18"/>
+          <p:cNvPr id="247" name="Google Shape;247;p18"/>
           <p:cNvSpPr/>
           <p:nvPr/>
         </p:nvSpPr>
@@ -25552,7 +25712,7 @@
   <p:cSld>
     <p:spTree>
       <p:nvGrpSpPr>
-        <p:cNvPr id="250" name="Shape 250"/>
+        <p:cNvPr id="251" name="Shape 251"/>
         <p:cNvGrpSpPr/>
         <p:nvPr/>
       </p:nvGrpSpPr>
@@ -25566,7 +25726,7 @@
       </p:grpSpPr>
       <p:sp>
         <p:nvSpPr>
-          <p:cNvPr id="251" name="Google Shape;251;p19"/>
+          <p:cNvPr id="252" name="Google Shape;252;p19"/>
           <p:cNvSpPr/>
           <p:nvPr/>
         </p:nvSpPr>
@@ -25611,7 +25771,7 @@
       </p:sp>
       <p:sp>
         <p:nvSpPr>
-          <p:cNvPr id="252" name="Google Shape;252;p19"/>
+          <p:cNvPr id="253" name="Google Shape;253;p19"/>
           <p:cNvSpPr/>
           <p:nvPr/>
         </p:nvSpPr>
@@ -25656,7 +25816,7 @@
       </p:sp>
       <p:sp>
         <p:nvSpPr>
-          <p:cNvPr id="253" name="Google Shape;253;p19"/>
+          <p:cNvPr id="254" name="Google Shape;254;p19"/>
           <p:cNvSpPr/>
           <p:nvPr/>
         </p:nvSpPr>
@@ -25701,7 +25861,7 @@
       </p:sp>
       <p:sp>
         <p:nvSpPr>
-          <p:cNvPr id="254" name="Google Shape;254;p19"/>
+          <p:cNvPr id="255" name="Google Shape;255;p19"/>
           <p:cNvSpPr/>
           <p:nvPr/>
         </p:nvSpPr>
@@ -25746,7 +25906,7 @@
       </p:sp>
       <p:sp>
         <p:nvSpPr>
-          <p:cNvPr id="255" name="Google Shape;255;p19"/>
+          <p:cNvPr id="256" name="Google Shape;256;p19"/>
           <p:cNvSpPr txBox="1"/>
           <p:nvPr>
             <p:ph type="title"/>
@@ -25786,7 +25946,7 @@
       </p:sp>
       <p:sp>
         <p:nvSpPr>
-          <p:cNvPr id="256" name="Google Shape;256;p19"/>
+          <p:cNvPr id="257" name="Google Shape;257;p19"/>
           <p:cNvSpPr/>
           <p:nvPr/>
         </p:nvSpPr>
@@ -25831,7 +25991,7 @@
       </p:sp>
       <p:sp>
         <p:nvSpPr>
-          <p:cNvPr id="257" name="Google Shape;257;p19"/>
+          <p:cNvPr id="258" name="Google Shape;258;p19"/>
           <p:cNvSpPr txBox="1"/>
           <p:nvPr/>
         </p:nvSpPr>
@@ -25889,7 +26049,7 @@
       </p:sp>
       <p:sp>
         <p:nvSpPr>
-          <p:cNvPr id="258" name="Google Shape;258;p19"/>
+          <p:cNvPr id="259" name="Google Shape;259;p19"/>
           <p:cNvSpPr txBox="1"/>
           <p:nvPr/>
         </p:nvSpPr>
@@ -25947,7 +26107,7 @@
       </p:sp>
       <p:sp>
         <p:nvSpPr>
-          <p:cNvPr id="259" name="Google Shape;259;p19"/>
+          <p:cNvPr id="260" name="Google Shape;260;p19"/>
           <p:cNvSpPr/>
           <p:nvPr/>
         </p:nvSpPr>
@@ -25992,7 +26152,7 @@
       </p:sp>
       <p:sp>
         <p:nvSpPr>
-          <p:cNvPr id="260" name="Google Shape;260;p19"/>
+          <p:cNvPr id="261" name="Google Shape;261;p19"/>
           <p:cNvSpPr txBox="1"/>
           <p:nvPr/>
         </p:nvSpPr>
@@ -26050,7 +26210,7 @@
       </p:sp>
       <p:sp>
         <p:nvSpPr>
-          <p:cNvPr id="261" name="Google Shape;261;p19"/>
+          <p:cNvPr id="262" name="Google Shape;262;p19"/>
           <p:cNvSpPr txBox="1"/>
           <p:nvPr/>
         </p:nvSpPr>
@@ -26108,7 +26268,7 @@
       </p:sp>
       <p:sp>
         <p:nvSpPr>
-          <p:cNvPr id="262" name="Google Shape;262;p19"/>
+          <p:cNvPr id="263" name="Google Shape;263;p19"/>
           <p:cNvSpPr/>
           <p:nvPr/>
         </p:nvSpPr>
@@ -26153,7 +26313,7 @@
       </p:sp>
       <p:sp>
         <p:nvSpPr>
-          <p:cNvPr id="263" name="Google Shape;263;p19"/>
+          <p:cNvPr id="264" name="Google Shape;264;p19"/>
           <p:cNvSpPr txBox="1"/>
           <p:nvPr/>
         </p:nvSpPr>
@@ -26211,7 +26371,7 @@
       </p:sp>
       <p:sp>
         <p:nvSpPr>
-          <p:cNvPr id="264" name="Google Shape;264;p19"/>
+          <p:cNvPr id="265" name="Google Shape;265;p19"/>
           <p:cNvSpPr txBox="1"/>
           <p:nvPr/>
         </p:nvSpPr>
@@ -26269,7 +26429,7 @@
       </p:sp>
       <p:sp>
         <p:nvSpPr>
-          <p:cNvPr id="265" name="Google Shape;265;p19"/>
+          <p:cNvPr id="266" name="Google Shape;266;p19"/>
           <p:cNvSpPr/>
           <p:nvPr/>
         </p:nvSpPr>
@@ -26314,7 +26474,7 @@
       </p:sp>
       <p:sp>
         <p:nvSpPr>
-          <p:cNvPr id="266" name="Google Shape;266;p19"/>
+          <p:cNvPr id="267" name="Google Shape;267;p19"/>
           <p:cNvSpPr txBox="1"/>
           <p:nvPr/>
         </p:nvSpPr>
@@ -26363,7 +26523,7 @@
       </p:sp>
       <p:sp>
         <p:nvSpPr>
-          <p:cNvPr id="267" name="Google Shape;267;p19"/>
+          <p:cNvPr id="268" name="Google Shape;268;p19"/>
           <p:cNvSpPr txBox="1"/>
           <p:nvPr/>
         </p:nvSpPr>
@@ -26421,7 +26581,7 @@
       </p:sp>
       <p:sp>
         <p:nvSpPr>
-          <p:cNvPr id="268" name="Google Shape;268;p19"/>
+          <p:cNvPr id="269" name="Google Shape;269;p19"/>
           <p:cNvSpPr txBox="1"/>
           <p:nvPr/>
         </p:nvSpPr>
@@ -26479,7 +26639,7 @@
       </p:sp>
       <p:sp>
         <p:nvSpPr>
-          <p:cNvPr id="269" name="Google Shape;269;p19"/>
+          <p:cNvPr id="270" name="Google Shape;270;p19"/>
           <p:cNvSpPr/>
           <p:nvPr/>
         </p:nvSpPr>
@@ -26550,7 +26710,7 @@
       </p:sp>
       <p:sp>
         <p:nvSpPr>
-          <p:cNvPr id="270" name="Google Shape;270;p19"/>
+          <p:cNvPr id="271" name="Google Shape;271;p19"/>
           <p:cNvSpPr/>
           <p:nvPr/>
         </p:nvSpPr>
@@ -26621,7 +26781,7 @@
       </p:sp>
       <p:sp>
         <p:nvSpPr>
-          <p:cNvPr id="271" name="Google Shape;271;p19"/>
+          <p:cNvPr id="272" name="Google Shape;272;p19"/>
           <p:cNvSpPr/>
           <p:nvPr/>
         </p:nvSpPr>
@@ -26692,7 +26852,7 @@
       </p:sp>
       <p:sp>
         <p:nvSpPr>
-          <p:cNvPr id="272" name="Google Shape;272;p19"/>
+          <p:cNvPr id="273" name="Google Shape;273;p19"/>
           <p:cNvSpPr/>
           <p:nvPr/>
         </p:nvSpPr>
@@ -26763,7 +26923,7 @@
       </p:sp>
       <p:pic>
         <p:nvPicPr>
-          <p:cNvPr id="273" name="Google Shape;273;p19"/>
+          <p:cNvPr id="274" name="Google Shape;274;p19"/>
           <p:cNvPicPr preferRelativeResize="0"/>
           <p:nvPr/>
         </p:nvPicPr>
@@ -26791,7 +26951,7 @@
       </p:pic>
       <p:pic>
         <p:nvPicPr>
-          <p:cNvPr id="274" name="Google Shape;274;p19"/>
+          <p:cNvPr id="275" name="Google Shape;275;p19"/>
           <p:cNvPicPr preferRelativeResize="0"/>
           <p:nvPr/>
         </p:nvPicPr>
@@ -26819,7 +26979,7 @@
       </p:pic>
       <p:pic>
         <p:nvPicPr>
-          <p:cNvPr id="275" name="Google Shape;275;p19"/>
+          <p:cNvPr id="276" name="Google Shape;276;p19"/>
           <p:cNvPicPr preferRelativeResize="0"/>
           <p:nvPr/>
         </p:nvPicPr>
@@ -26847,7 +27007,7 @@
       </p:pic>
       <p:pic>
         <p:nvPicPr>
-          <p:cNvPr id="276" name="Google Shape;276;p19"/>
+          <p:cNvPr id="277" name="Google Shape;277;p19"/>
           <p:cNvPicPr preferRelativeResize="0"/>
           <p:nvPr/>
         </p:nvPicPr>
@@ -26875,7 +27035,7 @@
       </p:pic>
       <p:pic>
         <p:nvPicPr>
-          <p:cNvPr id="277" name="Google Shape;277;p19"/>
+          <p:cNvPr id="278" name="Google Shape;278;p19"/>
           <p:cNvPicPr preferRelativeResize="0"/>
           <p:nvPr/>
         </p:nvPicPr>
@@ -26903,7 +27063,7 @@
       </p:pic>
       <p:pic>
         <p:nvPicPr>
-          <p:cNvPr id="278" name="Google Shape;278;p19"/>
+          <p:cNvPr id="279" name="Google Shape;279;p19"/>
           <p:cNvPicPr preferRelativeResize="0"/>
           <p:nvPr/>
         </p:nvPicPr>
@@ -26931,7 +27091,7 @@
       </p:pic>
       <p:sp>
         <p:nvSpPr>
-          <p:cNvPr id="279" name="Google Shape;279;p19"/>
+          <p:cNvPr id="280" name="Google Shape;280;p19"/>
           <p:cNvSpPr txBox="1"/>
           <p:nvPr>
             <p:ph type="title"/>
@@ -26971,7 +27131,7 @@
       </p:sp>
       <p:cxnSp>
         <p:nvCxnSpPr>
-          <p:cNvPr id="280" name="Google Shape;280;p19"/>
+          <p:cNvPr id="281" name="Google Shape;281;p19"/>
           <p:cNvCxnSpPr/>
           <p:nvPr/>
         </p:nvCxnSpPr>
@@ -27003,7 +27163,497 @@
 </p:sld>
 </file>
 
+<file path=ppt/slides/slide8.xml><?xml version="1.0" encoding="utf-8"?>
+<p:sld xmlns:a="http://schemas.openxmlformats.org/drawingml/2006/main" xmlns:r="http://schemas.openxmlformats.org/officeDocument/2006/relationships" xmlns:mc="http://schemas.openxmlformats.org/markup-compatibility/2006" xmlns:mv="urn:schemas-microsoft-com:mac:vml" xmlns:p="http://schemas.openxmlformats.org/presentationml/2006/main" xmlns:c="http://schemas.openxmlformats.org/drawingml/2006/chart" xmlns:dgm="http://schemas.openxmlformats.org/drawingml/2006/diagram" xmlns:o="urn:schemas-microsoft-com:office:office" xmlns:v="urn:schemas-microsoft-com:vml" xmlns:pvml="urn:schemas-microsoft-com:office:powerpoint" xmlns:com="http://schemas.openxmlformats.org/drawingml/2006/compatibility" xmlns:p14="http://schemas.microsoft.com/office/powerpoint/2010/main" xmlns:p15="http://schemas.microsoft.com/office/powerpoint/2012/main" xmlns:ahyp="http://schemas.microsoft.com/office/drawing/2018/hyperlinkcolor">
+  <p:cSld>
+    <p:spTree>
+      <p:nvGrpSpPr>
+        <p:cNvPr id="285" name="Shape 285"/>
+        <p:cNvGrpSpPr/>
+        <p:nvPr/>
+      </p:nvGrpSpPr>
+      <p:grpSpPr>
+        <a:xfrm>
+          <a:off x="0" y="0"/>
+          <a:ext cx="0" cy="0"/>
+          <a:chOff x="0" y="0"/>
+          <a:chExt cx="0" cy="0"/>
+        </a:xfrm>
+      </p:grpSpPr>
+      <p:sp>
+        <p:nvSpPr>
+          <p:cNvPr id="286" name="Google Shape;286;p20"/>
+          <p:cNvSpPr txBox="1"/>
+          <p:nvPr>
+            <p:ph type="title"/>
+          </p:nvPr>
+        </p:nvSpPr>
+        <p:spPr>
+          <a:xfrm>
+            <a:off x="311700" y="298425"/>
+            <a:ext cx="8520600" cy="494100"/>
+          </a:xfrm>
+          <a:prstGeom prst="rect">
+            <a:avLst/>
+          </a:prstGeom>
+        </p:spPr>
+        <p:txBody>
+          <a:bodyPr anchorCtr="0" anchor="t" bIns="91425" lIns="91425" spcFirstLastPara="1" rIns="91425" wrap="square" tIns="91425">
+            <a:noAutofit/>
+          </a:bodyPr>
+          <a:lstStyle/>
+          <a:p>
+            <a:pPr indent="0" lvl="0" marL="0" rtl="0" algn="ctr">
+              <a:spcBef>
+                <a:spcPts val="0"/>
+              </a:spcBef>
+              <a:spcAft>
+                <a:spcPts val="0"/>
+              </a:spcAft>
+              <a:buNone/>
+            </a:pPr>
+            <a:r>
+              <a:rPr lang="en"/>
+              <a:t>Thank you all for your attention!</a:t>
+            </a:r>
+            <a:endParaRPr/>
+          </a:p>
+          <a:p>
+            <a:pPr indent="0" lvl="0" marL="0" rtl="0" algn="ctr">
+              <a:spcBef>
+                <a:spcPts val="0"/>
+              </a:spcBef>
+              <a:spcAft>
+                <a:spcPts val="0"/>
+              </a:spcAft>
+              <a:buNone/>
+            </a:pPr>
+            <a:r>
+              <a:t/>
+            </a:r>
+            <a:endParaRPr/>
+          </a:p>
+          <a:p>
+            <a:pPr indent="0" lvl="0" marL="0" rtl="0" algn="ctr">
+              <a:spcBef>
+                <a:spcPts val="0"/>
+              </a:spcBef>
+              <a:spcAft>
+                <a:spcPts val="0"/>
+              </a:spcAft>
+              <a:buNone/>
+            </a:pPr>
+            <a:r>
+              <a:rPr lang="en"/>
+              <a:t>To a successful expansion!</a:t>
+            </a:r>
+            <a:endParaRPr/>
+          </a:p>
+        </p:txBody>
+      </p:sp>
+      <p:sp>
+        <p:nvSpPr>
+          <p:cNvPr id="287" name="Google Shape;287;p20"/>
+          <p:cNvSpPr txBox="1"/>
+          <p:nvPr/>
+        </p:nvSpPr>
+        <p:spPr>
+          <a:xfrm>
+            <a:off x="3367800" y="2163900"/>
+            <a:ext cx="2408400" cy="815700"/>
+          </a:xfrm>
+          <a:prstGeom prst="rect">
+            <a:avLst/>
+          </a:prstGeom>
+          <a:noFill/>
+          <a:ln>
+            <a:noFill/>
+          </a:ln>
+        </p:spPr>
+        <p:txBody>
+          <a:bodyPr anchorCtr="0" anchor="t" bIns="91425" lIns="91425" spcFirstLastPara="1" rIns="91425" wrap="square" tIns="91425">
+            <a:spAutoFit/>
+          </a:bodyPr>
+          <a:lstStyle/>
+          <a:p>
+            <a:pPr indent="0" lvl="0" marL="0" rtl="0" algn="l">
+              <a:spcBef>
+                <a:spcPts val="0"/>
+              </a:spcBef>
+              <a:spcAft>
+                <a:spcPts val="0"/>
+              </a:spcAft>
+              <a:buClr>
+                <a:schemeClr val="dk1"/>
+              </a:buClr>
+              <a:buSzPts val="1100"/>
+              <a:buFont typeface="Arial"/>
+              <a:buNone/>
+            </a:pPr>
+            <a:r>
+              <a:rPr lang="en" sz="4100">
+                <a:solidFill>
+                  <a:schemeClr val="lt1"/>
+                </a:solidFill>
+                <a:highlight>
+                  <a:schemeClr val="accent2"/>
+                </a:highlight>
+                <a:latin typeface="Fira Sans Extra Condensed SemiBold"/>
+                <a:ea typeface="Fira Sans Extra Condensed SemiBold"/>
+                <a:cs typeface="Fira Sans Extra Condensed SemiBold"/>
+                <a:sym typeface="Fira Sans Extra Condensed SemiBold"/>
+              </a:rPr>
+              <a:t>TheAgency</a:t>
+            </a:r>
+            <a:endParaRPr>
+              <a:latin typeface="Roboto"/>
+              <a:ea typeface="Roboto"/>
+              <a:cs typeface="Roboto"/>
+              <a:sym typeface="Roboto"/>
+            </a:endParaRPr>
+          </a:p>
+        </p:txBody>
+      </p:sp>
+      <p:sp>
+        <p:nvSpPr>
+          <p:cNvPr id="288" name="Google Shape;288;p20"/>
+          <p:cNvSpPr txBox="1"/>
+          <p:nvPr/>
+        </p:nvSpPr>
+        <p:spPr>
+          <a:xfrm>
+            <a:off x="2048250" y="3620675"/>
+            <a:ext cx="5047500" cy="615600"/>
+          </a:xfrm>
+          <a:prstGeom prst="rect">
+            <a:avLst/>
+          </a:prstGeom>
+          <a:noFill/>
+          <a:ln>
+            <a:noFill/>
+          </a:ln>
+        </p:spPr>
+        <p:txBody>
+          <a:bodyPr anchorCtr="0" anchor="t" bIns="91425" lIns="91425" spcFirstLastPara="1" rIns="91425" wrap="square" tIns="91425">
+            <a:spAutoFit/>
+          </a:bodyPr>
+          <a:lstStyle/>
+          <a:p>
+            <a:pPr indent="0" lvl="0" marL="0" rtl="0" algn="ctr">
+              <a:spcBef>
+                <a:spcPts val="0"/>
+              </a:spcBef>
+              <a:spcAft>
+                <a:spcPts val="0"/>
+              </a:spcAft>
+              <a:buNone/>
+            </a:pPr>
+            <a:r>
+              <a:rPr lang="en">
+                <a:latin typeface="Roboto"/>
+                <a:ea typeface="Roboto"/>
+                <a:cs typeface="Roboto"/>
+                <a:sym typeface="Roboto"/>
+              </a:rPr>
+              <a:t>Interested in specific graphs, explanations or insights, shoot me an email at: lucas.trost@TheAgency.com</a:t>
+            </a:r>
+            <a:endParaRPr>
+              <a:latin typeface="Roboto"/>
+              <a:ea typeface="Roboto"/>
+              <a:cs typeface="Roboto"/>
+              <a:sym typeface="Roboto"/>
+            </a:endParaRPr>
+          </a:p>
+        </p:txBody>
+      </p:sp>
+    </p:spTree>
+  </p:cSld>
+  <p:clrMapOvr>
+    <a:masterClrMapping/>
+  </p:clrMapOvr>
+</p:sld>
+</file>
+
 <file path=ppt/theme/theme1.xml><?xml version="1.0" encoding="utf-8"?>
+<a:theme xmlns:a="http://schemas.openxmlformats.org/drawingml/2006/main" xmlns:r="http://schemas.openxmlformats.org/officeDocument/2006/relationships" name="Competitive Business Strategies for 2022 Infographics by Slidesgo">
+  <a:themeElements>
+    <a:clrScheme name="Simple Light">
+      <a:dk1>
+        <a:srgbClr val="000000"/>
+      </a:dk1>
+      <a:lt1>
+        <a:srgbClr val="FFFFFF"/>
+      </a:lt1>
+      <a:dk2>
+        <a:srgbClr val="494E6B"/>
+      </a:dk2>
+      <a:lt2>
+        <a:srgbClr val="98878F"/>
+      </a:lt2>
+      <a:accent1>
+        <a:srgbClr val="985E6D"/>
+      </a:accent1>
+      <a:accent2>
+        <a:srgbClr val="192231"/>
+      </a:accent2>
+      <a:accent3>
+        <a:srgbClr val="E4D9DE"/>
+      </a:accent3>
+      <a:accent4>
+        <a:srgbClr val="FFFFFF"/>
+      </a:accent4>
+      <a:accent5>
+        <a:srgbClr val="FFFFFF"/>
+      </a:accent5>
+      <a:accent6>
+        <a:srgbClr val="FFFFFF"/>
+      </a:accent6>
+      <a:hlink>
+        <a:srgbClr val="000000"/>
+      </a:hlink>
+      <a:folHlink>
+        <a:srgbClr val="0097A7"/>
+      </a:folHlink>
+    </a:clrScheme>
+    <a:fontScheme name="Office">
+      <a:majorFont>
+        <a:latin typeface="Arial"/>
+        <a:ea typeface=""/>
+        <a:cs typeface=""/>
+        <a:font script="Jpan" typeface="ＭＳ Ｐゴシック"/>
+        <a:font script="Hang" typeface="맑은 고딕"/>
+        <a:font script="Hans" typeface="宋体"/>
+        <a:font script="Hant" typeface="新細明體"/>
+        <a:font script="Arab" typeface="Times New Roman"/>
+        <a:font script="Hebr" typeface="Times New Roman"/>
+        <a:font script="Thai" typeface="Angsana New"/>
+        <a:font script="Ethi" typeface="Nyala"/>
+        <a:font script="Beng" typeface="Vrinda"/>
+        <a:font script="Gujr" typeface="Shruti"/>
+        <a:font script="Khmr" typeface="MoolBoran"/>
+        <a:font script="Knda" typeface="Tunga"/>
+        <a:font script="Guru" typeface="Raavi"/>
+        <a:font script="Cans" typeface="Euphemia"/>
+        <a:font script="Cher" typeface="Plantagenet Cherokee"/>
+        <a:font script="Yiii" typeface="Microsoft Yi Baiti"/>
+        <a:font script="Tibt" typeface="Microsoft Himalaya"/>
+        <a:font script="Thaa" typeface="MV Boli"/>
+        <a:font script="Deva" typeface="Mangal"/>
+        <a:font script="Telu" typeface="Gautami"/>
+        <a:font script="Taml" typeface="Latha"/>
+        <a:font script="Syrc" typeface="Estrangelo Edessa"/>
+        <a:font script="Orya" typeface="Kalinga"/>
+        <a:font script="Mlym" typeface="Kartika"/>
+        <a:font script="Laoo" typeface="DokChampa"/>
+        <a:font script="Sinh" typeface="Iskoola Pota"/>
+        <a:font script="Mong" typeface="Mongolian Baiti"/>
+        <a:font script="Viet" typeface="Times New Roman"/>
+        <a:font script="Uigh" typeface="Microsoft Uighur"/>
+        <a:font script="Geor" typeface="Sylfaen"/>
+      </a:majorFont>
+      <a:minorFont>
+        <a:latin typeface="Arial"/>
+        <a:ea typeface=""/>
+        <a:cs typeface=""/>
+        <a:font script="Jpan" typeface="ＭＳ Ｐゴシック"/>
+        <a:font script="Hang" typeface="맑은 고딕"/>
+        <a:font script="Hans" typeface="宋体"/>
+        <a:font script="Hant" typeface="新細明體"/>
+        <a:font script="Arab" typeface="Arial"/>
+        <a:font script="Hebr" typeface="Arial"/>
+        <a:font script="Thai" typeface="Cordia New"/>
+        <a:font script="Ethi" typeface="Nyala"/>
+        <a:font script="Beng" typeface="Vrinda"/>
+        <a:font script="Gujr" typeface="Shruti"/>
+        <a:font script="Khmr" typeface="DaunPenh"/>
+        <a:font script="Knda" typeface="Tunga"/>
+        <a:font script="Guru" typeface="Raavi"/>
+        <a:font script="Cans" typeface="Euphemia"/>
+        <a:font script="Cher" typeface="Plantagenet Cherokee"/>
+        <a:font script="Yiii" typeface="Microsoft Yi Baiti"/>
+        <a:font script="Tibt" typeface="Microsoft Himalaya"/>
+        <a:font script="Thaa" typeface="MV Boli"/>
+        <a:font script="Deva" typeface="Mangal"/>
+        <a:font script="Telu" typeface="Gautami"/>
+        <a:font script="Taml" typeface="Latha"/>
+        <a:font script="Syrc" typeface="Estrangelo Edessa"/>
+        <a:font script="Orya" typeface="Kalinga"/>
+        <a:font script="Mlym" typeface="Kartika"/>
+        <a:font script="Laoo" typeface="DokChampa"/>
+        <a:font script="Sinh" typeface="Iskoola Pota"/>
+        <a:font script="Mong" typeface="Mongolian Baiti"/>
+        <a:font script="Viet" typeface="Arial"/>
+        <a:font script="Uigh" typeface="Microsoft Uighur"/>
+        <a:font script="Geor" typeface="Sylfaen"/>
+      </a:minorFont>
+    </a:fontScheme>
+    <a:fmtScheme name="Office">
+      <a:fillStyleLst>
+        <a:solidFill>
+          <a:schemeClr val="phClr"/>
+        </a:solidFill>
+        <a:gradFill rotWithShape="1">
+          <a:gsLst>
+            <a:gs pos="0">
+              <a:schemeClr val="phClr">
+                <a:tint val="50000"/>
+                <a:satMod val="300000"/>
+              </a:schemeClr>
+            </a:gs>
+            <a:gs pos="35000">
+              <a:schemeClr val="phClr">
+                <a:tint val="37000"/>
+                <a:satMod val="300000"/>
+              </a:schemeClr>
+            </a:gs>
+            <a:gs pos="100000">
+              <a:schemeClr val="phClr">
+                <a:tint val="15000"/>
+                <a:satMod val="350000"/>
+              </a:schemeClr>
+            </a:gs>
+          </a:gsLst>
+          <a:lin ang="16200000" scaled="1"/>
+        </a:gradFill>
+        <a:gradFill rotWithShape="1">
+          <a:gsLst>
+            <a:gs pos="0">
+              <a:schemeClr val="phClr">
+                <a:tint val="100000"/>
+                <a:shade val="100000"/>
+                <a:satMod val="130000"/>
+              </a:schemeClr>
+            </a:gs>
+            <a:gs pos="100000">
+              <a:schemeClr val="phClr">
+                <a:tint val="50000"/>
+                <a:shade val="100000"/>
+                <a:satMod val="350000"/>
+              </a:schemeClr>
+            </a:gs>
+          </a:gsLst>
+          <a:lin ang="16200000" scaled="0"/>
+        </a:gradFill>
+      </a:fillStyleLst>
+      <a:lnStyleLst>
+        <a:ln w="9525" cap="flat" cmpd="sng" algn="ctr">
+          <a:solidFill>
+            <a:schemeClr val="phClr">
+              <a:shade val="95000"/>
+              <a:satMod val="105000"/>
+            </a:schemeClr>
+          </a:solidFill>
+          <a:prstDash val="solid"/>
+        </a:ln>
+        <a:ln w="25400" cap="flat" cmpd="sng" algn="ctr">
+          <a:solidFill>
+            <a:schemeClr val="phClr"/>
+          </a:solidFill>
+          <a:prstDash val="solid"/>
+        </a:ln>
+        <a:ln w="38100" cap="flat" cmpd="sng" algn="ctr">
+          <a:solidFill>
+            <a:schemeClr val="phClr"/>
+          </a:solidFill>
+          <a:prstDash val="solid"/>
+        </a:ln>
+      </a:lnStyleLst>
+      <a:effectStyleLst>
+        <a:effectStyle>
+          <a:effectLst>
+            <a:outerShdw blurRad="40000" dist="20000" dir="5400000" rotWithShape="0">
+              <a:srgbClr val="000000">
+                <a:alpha val="38000"/>
+              </a:srgbClr>
+            </a:outerShdw>
+          </a:effectLst>
+        </a:effectStyle>
+        <a:effectStyle>
+          <a:effectLst>
+            <a:outerShdw blurRad="40000" dist="23000" dir="5400000" rotWithShape="0">
+              <a:srgbClr val="000000">
+                <a:alpha val="35000"/>
+              </a:srgbClr>
+            </a:outerShdw>
+          </a:effectLst>
+        </a:effectStyle>
+        <a:effectStyle>
+          <a:effectLst>
+            <a:outerShdw blurRad="40000" dist="23000" dir="5400000" rotWithShape="0">
+              <a:srgbClr val="000000">
+                <a:alpha val="35000"/>
+              </a:srgbClr>
+            </a:outerShdw>
+          </a:effectLst>
+          <a:scene3d>
+            <a:camera prst="orthographicFront">
+              <a:rot lat="0" lon="0" rev="0"/>
+            </a:camera>
+            <a:lightRig rig="threePt" dir="t">
+              <a:rot lat="0" lon="0" rev="1200000"/>
+            </a:lightRig>
+          </a:scene3d>
+          <a:sp3d>
+            <a:bevelT w="63500" h="25400"/>
+          </a:sp3d>
+        </a:effectStyle>
+      </a:effectStyleLst>
+      <a:bgFillStyleLst>
+        <a:solidFill>
+          <a:schemeClr val="phClr"/>
+        </a:solidFill>
+        <a:gradFill rotWithShape="1">
+          <a:gsLst>
+            <a:gs pos="0">
+              <a:schemeClr val="phClr">
+                <a:tint val="40000"/>
+                <a:satMod val="350000"/>
+              </a:schemeClr>
+            </a:gs>
+            <a:gs pos="40000">
+              <a:schemeClr val="phClr">
+                <a:tint val="45000"/>
+                <a:shade val="99000"/>
+                <a:satMod val="350000"/>
+              </a:schemeClr>
+            </a:gs>
+            <a:gs pos="100000">
+              <a:schemeClr val="phClr">
+                <a:shade val="20000"/>
+                <a:satMod val="255000"/>
+              </a:schemeClr>
+            </a:gs>
+          </a:gsLst>
+          <a:path path="circle">
+            <a:fillToRect l="50000" t="-80000" r="50000" b="180000"/>
+          </a:path>
+        </a:gradFill>
+        <a:gradFill rotWithShape="1">
+          <a:gsLst>
+            <a:gs pos="0">
+              <a:schemeClr val="phClr">
+                <a:tint val="80000"/>
+                <a:satMod val="300000"/>
+              </a:schemeClr>
+            </a:gs>
+            <a:gs pos="100000">
+              <a:schemeClr val="phClr">
+                <a:shade val="30000"/>
+                <a:satMod val="200000"/>
+              </a:schemeClr>
+            </a:gs>
+          </a:gsLst>
+          <a:path path="circle">
+            <a:fillToRect l="50000" t="50000" r="50000" b="50000"/>
+          </a:path>
+        </a:gradFill>
+      </a:bgFillStyleLst>
+    </a:fmtScheme>
+  </a:themeElements>
+</a:theme>
+</file>
+
+<file path=ppt/theme/theme2.xml><?xml version="1.0" encoding="utf-8"?>
 <a:theme xmlns:a="http://schemas.openxmlformats.org/drawingml/2006/main" xmlns:r="http://schemas.openxmlformats.org/officeDocument/2006/relationships">
   <a:themeElements>
     <a:clrScheme name="Default">
@@ -27280,283 +27930,4 @@
     </a:fmtScheme>
   </a:themeElements>
 </a:theme>
-</file>
-
-<file path=ppt/theme/theme2.xml><?xml version="1.0" encoding="utf-8"?>
-<a:theme xmlns:a="http://schemas.openxmlformats.org/drawingml/2006/main" xmlns:r="http://schemas.openxmlformats.org/officeDocument/2006/relationships" name="Competitive Business Strategies for 2022 Infographics by Slidesgo">
-  <a:themeElements>
-    <a:clrScheme name="Simple Light">
-      <a:dk1>
-        <a:srgbClr val="000000"/>
-      </a:dk1>
-      <a:lt1>
-        <a:srgbClr val="FFFFFF"/>
-      </a:lt1>
-      <a:dk2>
-        <a:srgbClr val="494E6B"/>
-      </a:dk2>
-      <a:lt2>
-        <a:srgbClr val="98878F"/>
-      </a:lt2>
-      <a:accent1>
-        <a:srgbClr val="985E6D"/>
-      </a:accent1>
-      <a:accent2>
-        <a:srgbClr val="192231"/>
-      </a:accent2>
-      <a:accent3>
-        <a:srgbClr val="E4D9DE"/>
-      </a:accent3>
-      <a:accent4>
-        <a:srgbClr val="FFFFFF"/>
-      </a:accent4>
-      <a:accent5>
-        <a:srgbClr val="FFFFFF"/>
-      </a:accent5>
-      <a:accent6>
-        <a:srgbClr val="FFFFFF"/>
-      </a:accent6>
-      <a:hlink>
-        <a:srgbClr val="000000"/>
-      </a:hlink>
-      <a:folHlink>
-        <a:srgbClr val="0097A7"/>
-      </a:folHlink>
-    </a:clrScheme>
-    <a:fontScheme name="Office">
-      <a:majorFont>
-        <a:latin typeface="Arial"/>
-        <a:ea typeface=""/>
-        <a:cs typeface=""/>
-        <a:font script="Jpan" typeface="ＭＳ Ｐゴシック"/>
-        <a:font script="Hang" typeface="맑은 고딕"/>
-        <a:font script="Hans" typeface="宋体"/>
-        <a:font script="Hant" typeface="新細明體"/>
-        <a:font script="Arab" typeface="Times New Roman"/>
-        <a:font script="Hebr" typeface="Times New Roman"/>
-        <a:font script="Thai" typeface="Angsana New"/>
-        <a:font script="Ethi" typeface="Nyala"/>
-        <a:font script="Beng" typeface="Vrinda"/>
-        <a:font script="Gujr" typeface="Shruti"/>
-        <a:font script="Khmr" typeface="MoolBoran"/>
-        <a:font script="Knda" typeface="Tunga"/>
-        <a:font script="Guru" typeface="Raavi"/>
-        <a:font script="Cans" typeface="Euphemia"/>
-        <a:font script="Cher" typeface="Plantagenet Cherokee"/>
-        <a:font script="Yiii" typeface="Microsoft Yi Baiti"/>
-        <a:font script="Tibt" typeface="Microsoft Himalaya"/>
-        <a:font script="Thaa" typeface="MV Boli"/>
-        <a:font script="Deva" typeface="Mangal"/>
-        <a:font script="Telu" typeface="Gautami"/>
-        <a:font script="Taml" typeface="Latha"/>
-        <a:font script="Syrc" typeface="Estrangelo Edessa"/>
-        <a:font script="Orya" typeface="Kalinga"/>
-        <a:font script="Mlym" typeface="Kartika"/>
-        <a:font script="Laoo" typeface="DokChampa"/>
-        <a:font script="Sinh" typeface="Iskoola Pota"/>
-        <a:font script="Mong" typeface="Mongolian Baiti"/>
-        <a:font script="Viet" typeface="Times New Roman"/>
-        <a:font script="Uigh" typeface="Microsoft Uighur"/>
-        <a:font script="Geor" typeface="Sylfaen"/>
-      </a:majorFont>
-      <a:minorFont>
-        <a:latin typeface="Arial"/>
-        <a:ea typeface=""/>
-        <a:cs typeface=""/>
-        <a:font script="Jpan" typeface="ＭＳ Ｐゴシック"/>
-        <a:font script="Hang" typeface="맑은 고딕"/>
-        <a:font script="Hans" typeface="宋体"/>
-        <a:font script="Hant" typeface="新細明體"/>
-        <a:font script="Arab" typeface="Arial"/>
-        <a:font script="Hebr" typeface="Arial"/>
-        <a:font script="Thai" typeface="Cordia New"/>
-        <a:font script="Ethi" typeface="Nyala"/>
-        <a:font script="Beng" typeface="Vrinda"/>
-        <a:font script="Gujr" typeface="Shruti"/>
-        <a:font script="Khmr" typeface="DaunPenh"/>
-        <a:font script="Knda" typeface="Tunga"/>
-        <a:font script="Guru" typeface="Raavi"/>
-        <a:font script="Cans" typeface="Euphemia"/>
-        <a:font script="Cher" typeface="Plantagenet Cherokee"/>
-        <a:font script="Yiii" typeface="Microsoft Yi Baiti"/>
-        <a:font script="Tibt" typeface="Microsoft Himalaya"/>
-        <a:font script="Thaa" typeface="MV Boli"/>
-        <a:font script="Deva" typeface="Mangal"/>
-        <a:font script="Telu" typeface="Gautami"/>
-        <a:font script="Taml" typeface="Latha"/>
-        <a:font script="Syrc" typeface="Estrangelo Edessa"/>
-        <a:font script="Orya" typeface="Kalinga"/>
-        <a:font script="Mlym" typeface="Kartika"/>
-        <a:font script="Laoo" typeface="DokChampa"/>
-        <a:font script="Sinh" typeface="Iskoola Pota"/>
-        <a:font script="Mong" typeface="Mongolian Baiti"/>
-        <a:font script="Viet" typeface="Arial"/>
-        <a:font script="Uigh" typeface="Microsoft Uighur"/>
-        <a:font script="Geor" typeface="Sylfaen"/>
-      </a:minorFont>
-    </a:fontScheme>
-    <a:fmtScheme name="Office">
-      <a:fillStyleLst>
-        <a:solidFill>
-          <a:schemeClr val="phClr"/>
-        </a:solidFill>
-        <a:gradFill rotWithShape="1">
-          <a:gsLst>
-            <a:gs pos="0">
-              <a:schemeClr val="phClr">
-                <a:tint val="50000"/>
-                <a:satMod val="300000"/>
-              </a:schemeClr>
-            </a:gs>
-            <a:gs pos="35000">
-              <a:schemeClr val="phClr">
-                <a:tint val="37000"/>
-                <a:satMod val="300000"/>
-              </a:schemeClr>
-            </a:gs>
-            <a:gs pos="100000">
-              <a:schemeClr val="phClr">
-                <a:tint val="15000"/>
-                <a:satMod val="350000"/>
-              </a:schemeClr>
-            </a:gs>
-          </a:gsLst>
-          <a:lin ang="16200000" scaled="1"/>
-        </a:gradFill>
-        <a:gradFill rotWithShape="1">
-          <a:gsLst>
-            <a:gs pos="0">
-              <a:schemeClr val="phClr">
-                <a:tint val="100000"/>
-                <a:shade val="100000"/>
-                <a:satMod val="130000"/>
-              </a:schemeClr>
-            </a:gs>
-            <a:gs pos="100000">
-              <a:schemeClr val="phClr">
-                <a:tint val="50000"/>
-                <a:shade val="100000"/>
-                <a:satMod val="350000"/>
-              </a:schemeClr>
-            </a:gs>
-          </a:gsLst>
-          <a:lin ang="16200000" scaled="0"/>
-        </a:gradFill>
-      </a:fillStyleLst>
-      <a:lnStyleLst>
-        <a:ln w="9525" cap="flat" cmpd="sng" algn="ctr">
-          <a:solidFill>
-            <a:schemeClr val="phClr">
-              <a:shade val="95000"/>
-              <a:satMod val="105000"/>
-            </a:schemeClr>
-          </a:solidFill>
-          <a:prstDash val="solid"/>
-        </a:ln>
-        <a:ln w="25400" cap="flat" cmpd="sng" algn="ctr">
-          <a:solidFill>
-            <a:schemeClr val="phClr"/>
-          </a:solidFill>
-          <a:prstDash val="solid"/>
-        </a:ln>
-        <a:ln w="38100" cap="flat" cmpd="sng" algn="ctr">
-          <a:solidFill>
-            <a:schemeClr val="phClr"/>
-          </a:solidFill>
-          <a:prstDash val="solid"/>
-        </a:ln>
-      </a:lnStyleLst>
-      <a:effectStyleLst>
-        <a:effectStyle>
-          <a:effectLst>
-            <a:outerShdw blurRad="40000" dist="20000" dir="5400000" rotWithShape="0">
-              <a:srgbClr val="000000">
-                <a:alpha val="38000"/>
-              </a:srgbClr>
-            </a:outerShdw>
-          </a:effectLst>
-        </a:effectStyle>
-        <a:effectStyle>
-          <a:effectLst>
-            <a:outerShdw blurRad="40000" dist="23000" dir="5400000" rotWithShape="0">
-              <a:srgbClr val="000000">
-                <a:alpha val="35000"/>
-              </a:srgbClr>
-            </a:outerShdw>
-          </a:effectLst>
-        </a:effectStyle>
-        <a:effectStyle>
-          <a:effectLst>
-            <a:outerShdw blurRad="40000" dist="23000" dir="5400000" rotWithShape="0">
-              <a:srgbClr val="000000">
-                <a:alpha val="35000"/>
-              </a:srgbClr>
-            </a:outerShdw>
-          </a:effectLst>
-          <a:scene3d>
-            <a:camera prst="orthographicFront">
-              <a:rot lat="0" lon="0" rev="0"/>
-            </a:camera>
-            <a:lightRig rig="threePt" dir="t">
-              <a:rot lat="0" lon="0" rev="1200000"/>
-            </a:lightRig>
-          </a:scene3d>
-          <a:sp3d>
-            <a:bevelT w="63500" h="25400"/>
-          </a:sp3d>
-        </a:effectStyle>
-      </a:effectStyleLst>
-      <a:bgFillStyleLst>
-        <a:solidFill>
-          <a:schemeClr val="phClr"/>
-        </a:solidFill>
-        <a:gradFill rotWithShape="1">
-          <a:gsLst>
-            <a:gs pos="0">
-              <a:schemeClr val="phClr">
-                <a:tint val="40000"/>
-                <a:satMod val="350000"/>
-              </a:schemeClr>
-            </a:gs>
-            <a:gs pos="40000">
-              <a:schemeClr val="phClr">
-                <a:tint val="45000"/>
-                <a:shade val="99000"/>
-                <a:satMod val="350000"/>
-              </a:schemeClr>
-            </a:gs>
-            <a:gs pos="100000">
-              <a:schemeClr val="phClr">
-                <a:shade val="20000"/>
-                <a:satMod val="255000"/>
-              </a:schemeClr>
-            </a:gs>
-          </a:gsLst>
-          <a:path path="circle">
-            <a:fillToRect l="50000" t="-80000" r="50000" b="180000"/>
-          </a:path>
-        </a:gradFill>
-        <a:gradFill rotWithShape="1">
-          <a:gsLst>
-            <a:gs pos="0">
-              <a:schemeClr val="phClr">
-                <a:tint val="80000"/>
-                <a:satMod val="300000"/>
-              </a:schemeClr>
-            </a:gs>
-            <a:gs pos="100000">
-              <a:schemeClr val="phClr">
-                <a:shade val="30000"/>
-                <a:satMod val="200000"/>
-              </a:schemeClr>
-            </a:gs>
-          </a:gsLst>
-          <a:path path="circle">
-            <a:fillToRect l="50000" t="50000" r="50000" b="50000"/>
-          </a:path>
-        </a:gradFill>
-      </a:bgFillStyleLst>
-    </a:fmtScheme>
-  </a:themeElements>
-</a:theme>
 </file>